--- a/ゲ数Ⅱ/ゲーム数学.pptx
+++ b/ゲ数Ⅱ/ゲーム数学.pptx
@@ -5,7 +5,7 @@
     <p:sldMasterId id="2147483648" r:id="rId1"/>
   </p:sldMasterIdLst>
   <p:notesMasterIdLst>
-    <p:notesMasterId r:id="rId15"/>
+    <p:notesMasterId r:id="rId21"/>
   </p:notesMasterIdLst>
   <p:sldIdLst>
     <p:sldId id="256" r:id="rId2"/>
@@ -21,6 +21,12 @@
     <p:sldId id="266" r:id="rId12"/>
     <p:sldId id="267" r:id="rId13"/>
     <p:sldId id="268" r:id="rId14"/>
+    <p:sldId id="269" r:id="rId15"/>
+    <p:sldId id="270" r:id="rId16"/>
+    <p:sldId id="271" r:id="rId17"/>
+    <p:sldId id="272" r:id="rId18"/>
+    <p:sldId id="273" r:id="rId19"/>
+    <p:sldId id="274" r:id="rId20"/>
   </p:sldIdLst>
   <p:sldSz cx="12192000" cy="6858000"/>
   <p:notesSz cx="6858000" cy="9144000"/>
@@ -137,6 +143,12 @@
             <p14:sldId id="266"/>
             <p14:sldId id="267"/>
             <p14:sldId id="268"/>
+            <p14:sldId id="269"/>
+            <p14:sldId id="270"/>
+            <p14:sldId id="271"/>
+            <p14:sldId id="272"/>
+            <p14:sldId id="273"/>
+            <p14:sldId id="274"/>
           </p14:sldIdLst>
         </p14:section>
       </p14:sectionLst>
@@ -242,7 +254,7 @@
           <a:p>
             <a:fld id="{2D09E0D9-4DE1-4ECC-AF02-D1701EEFF3E9}" type="datetimeFigureOut">
               <a:rPr kumimoji="1" lang="ja-JP" altLang="en-US" smtClean="0"/>
-              <a:t>2025/4/25</a:t>
+              <a:t>2025/5/9</a:t>
             </a:fld>
             <a:endParaRPr kumimoji="1" lang="ja-JP" altLang="en-US"/>
           </a:p>
@@ -673,7 +685,7 @@
           <a:p>
             <a:fld id="{80FADA3A-6D12-4826-BB31-3C7D97F782AF}" type="datetimeFigureOut">
               <a:rPr kumimoji="1" lang="ja-JP" altLang="en-US" smtClean="0"/>
-              <a:t>2025/4/25</a:t>
+              <a:t>2025/5/9</a:t>
             </a:fld>
             <a:endParaRPr kumimoji="1" lang="ja-JP" altLang="en-US"/>
           </a:p>
@@ -875,7 +887,7 @@
           <a:p>
             <a:fld id="{80FADA3A-6D12-4826-BB31-3C7D97F782AF}" type="datetimeFigureOut">
               <a:rPr kumimoji="1" lang="ja-JP" altLang="en-US" smtClean="0"/>
-              <a:t>2025/4/25</a:t>
+              <a:t>2025/5/9</a:t>
             </a:fld>
             <a:endParaRPr kumimoji="1" lang="ja-JP" altLang="en-US"/>
           </a:p>
@@ -1087,7 +1099,7 @@
           <a:p>
             <a:fld id="{80FADA3A-6D12-4826-BB31-3C7D97F782AF}" type="datetimeFigureOut">
               <a:rPr kumimoji="1" lang="ja-JP" altLang="en-US" smtClean="0"/>
-              <a:t>2025/4/25</a:t>
+              <a:t>2025/5/9</a:t>
             </a:fld>
             <a:endParaRPr kumimoji="1" lang="ja-JP" altLang="en-US"/>
           </a:p>
@@ -1289,7 +1301,7 @@
           <a:p>
             <a:fld id="{80FADA3A-6D12-4826-BB31-3C7D97F782AF}" type="datetimeFigureOut">
               <a:rPr kumimoji="1" lang="ja-JP" altLang="en-US" smtClean="0"/>
-              <a:t>2025/4/25</a:t>
+              <a:t>2025/5/9</a:t>
             </a:fld>
             <a:endParaRPr kumimoji="1" lang="ja-JP" altLang="en-US"/>
           </a:p>
@@ -1535,7 +1547,7 @@
           <a:p>
             <a:fld id="{80FADA3A-6D12-4826-BB31-3C7D97F782AF}" type="datetimeFigureOut">
               <a:rPr kumimoji="1" lang="ja-JP" altLang="en-US" smtClean="0"/>
-              <a:t>2025/4/25</a:t>
+              <a:t>2025/5/9</a:t>
             </a:fld>
             <a:endParaRPr kumimoji="1" lang="ja-JP" altLang="en-US"/>
           </a:p>
@@ -1831,7 +1843,7 @@
           <a:p>
             <a:fld id="{80FADA3A-6D12-4826-BB31-3C7D97F782AF}" type="datetimeFigureOut">
               <a:rPr kumimoji="1" lang="ja-JP" altLang="en-US" smtClean="0"/>
-              <a:t>2025/4/25</a:t>
+              <a:t>2025/5/9</a:t>
             </a:fld>
             <a:endParaRPr kumimoji="1" lang="ja-JP" altLang="en-US"/>
           </a:p>
@@ -2262,7 +2274,7 @@
           <a:p>
             <a:fld id="{80FADA3A-6D12-4826-BB31-3C7D97F782AF}" type="datetimeFigureOut">
               <a:rPr kumimoji="1" lang="ja-JP" altLang="en-US" smtClean="0"/>
-              <a:t>2025/4/25</a:t>
+              <a:t>2025/5/9</a:t>
             </a:fld>
             <a:endParaRPr kumimoji="1" lang="ja-JP" altLang="en-US"/>
           </a:p>
@@ -2380,7 +2392,7 @@
           <a:p>
             <a:fld id="{80FADA3A-6D12-4826-BB31-3C7D97F782AF}" type="datetimeFigureOut">
               <a:rPr kumimoji="1" lang="ja-JP" altLang="en-US" smtClean="0"/>
-              <a:t>2025/4/25</a:t>
+              <a:t>2025/5/9</a:t>
             </a:fld>
             <a:endParaRPr kumimoji="1" lang="ja-JP" altLang="en-US"/>
           </a:p>
@@ -2475,7 +2487,7 @@
           <a:p>
             <a:fld id="{80FADA3A-6D12-4826-BB31-3C7D97F782AF}" type="datetimeFigureOut">
               <a:rPr kumimoji="1" lang="ja-JP" altLang="en-US" smtClean="0"/>
-              <a:t>2025/4/25</a:t>
+              <a:t>2025/5/9</a:t>
             </a:fld>
             <a:endParaRPr kumimoji="1" lang="ja-JP" altLang="en-US"/>
           </a:p>
@@ -2784,7 +2796,7 @@
           <a:p>
             <a:fld id="{80FADA3A-6D12-4826-BB31-3C7D97F782AF}" type="datetimeFigureOut">
               <a:rPr kumimoji="1" lang="ja-JP" altLang="en-US" smtClean="0"/>
-              <a:t>2025/4/25</a:t>
+              <a:t>2025/5/9</a:t>
             </a:fld>
             <a:endParaRPr kumimoji="1" lang="ja-JP" altLang="en-US"/>
           </a:p>
@@ -3037,7 +3049,7 @@
           <a:p>
             <a:fld id="{80FADA3A-6D12-4826-BB31-3C7D97F782AF}" type="datetimeFigureOut">
               <a:rPr kumimoji="1" lang="ja-JP" altLang="en-US" smtClean="0"/>
-              <a:t>2025/4/25</a:t>
+              <a:t>2025/5/9</a:t>
             </a:fld>
             <a:endParaRPr kumimoji="1" lang="ja-JP" altLang="en-US"/>
           </a:p>
@@ -3282,7 +3294,7 @@
           <a:p>
             <a:fld id="{80FADA3A-6D12-4826-BB31-3C7D97F782AF}" type="datetimeFigureOut">
               <a:rPr kumimoji="1" lang="ja-JP" altLang="en-US" smtClean="0"/>
-              <a:t>2025/4/25</a:t>
+              <a:t>2025/5/9</a:t>
             </a:fld>
             <a:endParaRPr kumimoji="1" lang="ja-JP" altLang="en-US"/>
           </a:p>
@@ -5189,6 +5201,2346 @@
     <p:extLst>
       <p:ext uri="{BB962C8B-B14F-4D97-AF65-F5344CB8AC3E}">
         <p14:creationId xmlns:p14="http://schemas.microsoft.com/office/powerpoint/2010/main" val="904573968"/>
+      </p:ext>
+    </p:extLst>
+  </p:cSld>
+  <p:clrMapOvr>
+    <a:masterClrMapping/>
+  </p:clrMapOvr>
+</p:sld>
+</file>
+
+<file path=ppt/slides/slide14.xml><?xml version="1.0" encoding="utf-8"?>
+<p:sld xmlns:a="http://schemas.openxmlformats.org/drawingml/2006/main" xmlns:r="http://schemas.openxmlformats.org/officeDocument/2006/relationships" xmlns:p="http://schemas.openxmlformats.org/presentationml/2006/main">
+  <p:cSld>
+    <p:spTree>
+      <p:nvGrpSpPr>
+        <p:cNvPr id="1" name=""/>
+        <p:cNvGrpSpPr/>
+        <p:nvPr/>
+      </p:nvGrpSpPr>
+      <p:grpSpPr>
+        <a:xfrm>
+          <a:off x="0" y="0"/>
+          <a:ext cx="0" cy="0"/>
+          <a:chOff x="0" y="0"/>
+          <a:chExt cx="0" cy="0"/>
+        </a:xfrm>
+      </p:grpSpPr>
+      <p:sp>
+        <p:nvSpPr>
+          <p:cNvPr id="2" name="テキスト ボックス 1"/>
+          <p:cNvSpPr txBox="1"/>
+          <p:nvPr/>
+        </p:nvSpPr>
+        <p:spPr>
+          <a:xfrm>
+            <a:off x="381000" y="590550"/>
+            <a:ext cx="3647152" cy="923330"/>
+          </a:xfrm>
+          <a:prstGeom prst="rect">
+            <a:avLst/>
+          </a:prstGeom>
+          <a:noFill/>
+        </p:spPr>
+        <p:txBody>
+          <a:bodyPr wrap="none" rtlCol="0">
+            <a:spAutoFit/>
+          </a:bodyPr>
+          <a:lstStyle/>
+          <a:p>
+            <a:r>
+              <a:rPr kumimoji="1" lang="ja-JP" altLang="en-US" sz="5400" dirty="0" smtClean="0"/>
+              <a:t>・ベクトル</a:t>
+            </a:r>
+            <a:endParaRPr kumimoji="1" lang="ja-JP" altLang="en-US" sz="5400" dirty="0"/>
+          </a:p>
+        </p:txBody>
+      </p:sp>
+      <p:sp>
+        <p:nvSpPr>
+          <p:cNvPr id="3" name="テキスト ボックス 2"/>
+          <p:cNvSpPr txBox="1"/>
+          <p:nvPr/>
+        </p:nvSpPr>
+        <p:spPr>
+          <a:xfrm>
+            <a:off x="1238250" y="2609850"/>
+            <a:ext cx="9889246" cy="2585323"/>
+          </a:xfrm>
+          <a:prstGeom prst="rect">
+            <a:avLst/>
+          </a:prstGeom>
+          <a:noFill/>
+        </p:spPr>
+        <p:txBody>
+          <a:bodyPr wrap="none" rtlCol="0">
+            <a:spAutoFit/>
+          </a:bodyPr>
+          <a:lstStyle/>
+          <a:p>
+            <a:r>
+              <a:rPr kumimoji="1" lang="ja-JP" altLang="en-US" dirty="0" smtClean="0"/>
+              <a:t>２</a:t>
+            </a:r>
+            <a:r>
+              <a:rPr kumimoji="1" lang="en-US" altLang="ja-JP" dirty="0" smtClean="0"/>
+              <a:t>D </a:t>
+            </a:r>
+            <a:r>
+              <a:rPr kumimoji="1" lang="ja-JP" altLang="en-US" dirty="0" smtClean="0"/>
+              <a:t>・３</a:t>
+            </a:r>
+            <a:r>
+              <a:rPr kumimoji="1" lang="en-US" altLang="ja-JP" dirty="0" smtClean="0"/>
+              <a:t>D</a:t>
+            </a:r>
+            <a:r>
+              <a:rPr kumimoji="1" lang="ja-JP" altLang="en-US" dirty="0" smtClean="0"/>
+              <a:t>において、「動く」を表現するときに使用されるベクトル</a:t>
+            </a:r>
+            <a:endParaRPr kumimoji="1" lang="en-US" altLang="ja-JP" dirty="0" smtClean="0"/>
+          </a:p>
+          <a:p>
+            <a:endParaRPr lang="en-US" altLang="ja-JP" dirty="0"/>
+          </a:p>
+          <a:p>
+            <a:r>
+              <a:rPr kumimoji="1" lang="ja-JP" altLang="en-US" dirty="0" smtClean="0"/>
+              <a:t>　ベクトルとは、「力であり向き」です。</a:t>
+            </a:r>
+            <a:endParaRPr kumimoji="1" lang="en-US" altLang="ja-JP" dirty="0" smtClean="0"/>
+          </a:p>
+          <a:p>
+            <a:endParaRPr lang="en-US" altLang="ja-JP" dirty="0"/>
+          </a:p>
+          <a:p>
+            <a:r>
+              <a:rPr kumimoji="1" lang="en-US" altLang="ja-JP" dirty="0" smtClean="0"/>
+              <a:t>		</a:t>
+            </a:r>
+            <a:r>
+              <a:rPr kumimoji="1" lang="ja-JP" altLang="en-US" dirty="0" smtClean="0"/>
+              <a:t>ビジュアル的に矢印で表現されることがおおい</a:t>
+            </a:r>
+            <a:endParaRPr kumimoji="1" lang="en-US" altLang="ja-JP" dirty="0" smtClean="0"/>
+          </a:p>
+          <a:p>
+            <a:endParaRPr lang="en-US" altLang="ja-JP" dirty="0"/>
+          </a:p>
+          <a:p>
+            <a:endParaRPr kumimoji="1" lang="en-US" altLang="ja-JP" dirty="0" smtClean="0"/>
+          </a:p>
+          <a:p>
+            <a:endParaRPr lang="en-US" altLang="ja-JP" dirty="0" smtClean="0"/>
+          </a:p>
+          <a:p>
+            <a:r>
+              <a:rPr lang="ja-JP" altLang="en-US" dirty="0" smtClean="0"/>
+              <a:t>数学的</a:t>
+            </a:r>
+            <a:r>
+              <a:rPr lang="ja-JP" altLang="en-US" dirty="0"/>
+              <a:t>に</a:t>
+            </a:r>
+            <a:r>
+              <a:rPr lang="ja-JP" altLang="en-US" dirty="0" smtClean="0"/>
+              <a:t>は、</a:t>
+            </a:r>
+            <a:r>
+              <a:rPr lang="en-US" altLang="ja-JP" dirty="0" smtClean="0"/>
+              <a:t>V</a:t>
+            </a:r>
+            <a:r>
+              <a:rPr lang="ja-JP" altLang="en-US" dirty="0" smtClean="0"/>
+              <a:t>（</a:t>
+            </a:r>
+            <a:r>
+              <a:rPr lang="en-US" altLang="ja-JP" dirty="0" smtClean="0"/>
+              <a:t>X</a:t>
+            </a:r>
+            <a:r>
+              <a:rPr lang="ja-JP" altLang="en-US" dirty="0" smtClean="0"/>
+              <a:t>成分、</a:t>
+            </a:r>
+            <a:r>
+              <a:rPr lang="en-US" altLang="ja-JP" dirty="0" smtClean="0"/>
+              <a:t>Y</a:t>
+            </a:r>
+            <a:r>
+              <a:rPr lang="ja-JP" altLang="en-US" dirty="0" smtClean="0"/>
+              <a:t>成分）と書くのが普通かな（２</a:t>
+            </a:r>
+            <a:r>
+              <a:rPr lang="en-US" altLang="ja-JP" dirty="0" smtClean="0"/>
+              <a:t>D</a:t>
+            </a:r>
+            <a:r>
+              <a:rPr lang="ja-JP" altLang="en-US" dirty="0" smtClean="0"/>
+              <a:t>の場合）（３</a:t>
+            </a:r>
+            <a:r>
+              <a:rPr lang="en-US" altLang="ja-JP" dirty="0" smtClean="0"/>
+              <a:t>D</a:t>
+            </a:r>
+            <a:r>
+              <a:rPr lang="ja-JP" altLang="en-US" dirty="0" smtClean="0"/>
+              <a:t>では</a:t>
+            </a:r>
+            <a:r>
+              <a:rPr lang="en-US" altLang="ja-JP" dirty="0" smtClean="0"/>
+              <a:t>Z</a:t>
+            </a:r>
+            <a:r>
+              <a:rPr lang="ja-JP" altLang="en-US" dirty="0" smtClean="0"/>
+              <a:t>成分がある）</a:t>
+            </a:r>
+            <a:endParaRPr kumimoji="1" lang="ja-JP" altLang="en-US" dirty="0"/>
+          </a:p>
+        </p:txBody>
+      </p:sp>
+      <p:cxnSp>
+        <p:nvCxnSpPr>
+          <p:cNvPr id="5" name="直線矢印コネクタ 4"/>
+          <p:cNvCxnSpPr/>
+          <p:nvPr/>
+        </p:nvCxnSpPr>
+        <p:spPr>
+          <a:xfrm flipV="1">
+            <a:off x="8343900" y="3408580"/>
+            <a:ext cx="933450" cy="987861"/>
+          </a:xfrm>
+          <a:prstGeom prst="straightConnector1">
+            <a:avLst/>
+          </a:prstGeom>
+          <a:ln w="76200">
+            <a:solidFill>
+              <a:srgbClr val="FF0000"/>
+            </a:solidFill>
+            <a:tailEnd type="triangle"/>
+          </a:ln>
+        </p:spPr>
+        <p:style>
+          <a:lnRef idx="1">
+            <a:schemeClr val="accent1"/>
+          </a:lnRef>
+          <a:fillRef idx="0">
+            <a:schemeClr val="accent1"/>
+          </a:fillRef>
+          <a:effectRef idx="0">
+            <a:schemeClr val="accent1"/>
+          </a:effectRef>
+          <a:fontRef idx="minor">
+            <a:schemeClr val="tx1"/>
+          </a:fontRef>
+        </p:style>
+      </p:cxnSp>
+    </p:spTree>
+    <p:extLst>
+      <p:ext uri="{BB962C8B-B14F-4D97-AF65-F5344CB8AC3E}">
+        <p14:creationId xmlns:p14="http://schemas.microsoft.com/office/powerpoint/2010/main" val="4163663827"/>
+      </p:ext>
+    </p:extLst>
+  </p:cSld>
+  <p:clrMapOvr>
+    <a:masterClrMapping/>
+  </p:clrMapOvr>
+</p:sld>
+</file>
+
+<file path=ppt/slides/slide15.xml><?xml version="1.0" encoding="utf-8"?>
+<p:sld xmlns:a="http://schemas.openxmlformats.org/drawingml/2006/main" xmlns:r="http://schemas.openxmlformats.org/officeDocument/2006/relationships" xmlns:p="http://schemas.openxmlformats.org/presentationml/2006/main">
+  <p:cSld>
+    <p:spTree>
+      <p:nvGrpSpPr>
+        <p:cNvPr id="1" name=""/>
+        <p:cNvGrpSpPr/>
+        <p:nvPr/>
+      </p:nvGrpSpPr>
+      <p:grpSpPr>
+        <a:xfrm>
+          <a:off x="0" y="0"/>
+          <a:ext cx="0" cy="0"/>
+          <a:chOff x="0" y="0"/>
+          <a:chExt cx="0" cy="0"/>
+        </a:xfrm>
+      </p:grpSpPr>
+      <p:sp>
+        <p:nvSpPr>
+          <p:cNvPr id="2" name="テキスト ボックス 1"/>
+          <p:cNvSpPr txBox="1"/>
+          <p:nvPr/>
+        </p:nvSpPr>
+        <p:spPr>
+          <a:xfrm>
+            <a:off x="685800" y="1009650"/>
+            <a:ext cx="4876656" cy="369332"/>
+          </a:xfrm>
+          <a:prstGeom prst="rect">
+            <a:avLst/>
+          </a:prstGeom>
+          <a:noFill/>
+        </p:spPr>
+        <p:txBody>
+          <a:bodyPr wrap="none" rtlCol="0">
+            <a:spAutoFit/>
+          </a:bodyPr>
+          <a:lstStyle/>
+          <a:p>
+            <a:r>
+              <a:rPr kumimoji="1" lang="ja-JP" altLang="en-US" dirty="0" smtClean="0"/>
+              <a:t>・</a:t>
+            </a:r>
+            <a:r>
+              <a:rPr kumimoji="1" lang="en-US" altLang="ja-JP" dirty="0" smtClean="0"/>
+              <a:t>A</a:t>
+            </a:r>
+            <a:r>
+              <a:rPr kumimoji="1" lang="ja-JP" altLang="en-US" dirty="0" smtClean="0"/>
+              <a:t>位置と</a:t>
+            </a:r>
+            <a:r>
+              <a:rPr kumimoji="1" lang="en-US" altLang="ja-JP" dirty="0" smtClean="0"/>
+              <a:t>B</a:t>
+            </a:r>
+            <a:r>
+              <a:rPr lang="ja-JP" altLang="en-US" dirty="0"/>
+              <a:t>位置</a:t>
+            </a:r>
+            <a:r>
+              <a:rPr kumimoji="1" lang="ja-JP" altLang="en-US" dirty="0" smtClean="0"/>
+              <a:t>に移動するベクトルを求める</a:t>
+            </a:r>
+            <a:endParaRPr kumimoji="1" lang="ja-JP" altLang="en-US" dirty="0"/>
+          </a:p>
+        </p:txBody>
+      </p:sp>
+      <p:cxnSp>
+        <p:nvCxnSpPr>
+          <p:cNvPr id="4" name="直線矢印コネクタ 3"/>
+          <p:cNvCxnSpPr>
+            <a:endCxn id="5" idx="2"/>
+          </p:cNvCxnSpPr>
+          <p:nvPr/>
+        </p:nvCxnSpPr>
+        <p:spPr>
+          <a:xfrm flipV="1">
+            <a:off x="2580087" y="2932512"/>
+            <a:ext cx="3257550" cy="1038459"/>
+          </a:xfrm>
+          <a:prstGeom prst="straightConnector1">
+            <a:avLst/>
+          </a:prstGeom>
+          <a:ln w="76200">
+            <a:solidFill>
+              <a:srgbClr val="FF0000"/>
+            </a:solidFill>
+            <a:tailEnd type="triangle"/>
+          </a:ln>
+        </p:spPr>
+        <p:style>
+          <a:lnRef idx="1">
+            <a:schemeClr val="accent1"/>
+          </a:lnRef>
+          <a:fillRef idx="0">
+            <a:schemeClr val="accent1"/>
+          </a:fillRef>
+          <a:effectRef idx="0">
+            <a:schemeClr val="accent1"/>
+          </a:effectRef>
+          <a:fontRef idx="minor">
+            <a:schemeClr val="tx1"/>
+          </a:fontRef>
+        </p:style>
+      </p:cxnSp>
+      <p:sp>
+        <p:nvSpPr>
+          <p:cNvPr id="5" name="楕円 4"/>
+          <p:cNvSpPr/>
+          <p:nvPr/>
+        </p:nvSpPr>
+        <p:spPr>
+          <a:xfrm>
+            <a:off x="5837637" y="2752725"/>
+            <a:ext cx="359574" cy="359574"/>
+          </a:xfrm>
+          <a:prstGeom prst="ellipse">
+            <a:avLst/>
+          </a:prstGeom>
+        </p:spPr>
+        <p:style>
+          <a:lnRef idx="2">
+            <a:schemeClr val="accent1">
+              <a:shade val="50000"/>
+            </a:schemeClr>
+          </a:lnRef>
+          <a:fillRef idx="1">
+            <a:schemeClr val="accent1"/>
+          </a:fillRef>
+          <a:effectRef idx="0">
+            <a:schemeClr val="accent1"/>
+          </a:effectRef>
+          <a:fontRef idx="minor">
+            <a:schemeClr val="lt1"/>
+          </a:fontRef>
+        </p:style>
+        <p:txBody>
+          <a:bodyPr rtlCol="0" anchor="ctr"/>
+          <a:lstStyle/>
+          <a:p>
+            <a:pPr algn="ctr"/>
+            <a:endParaRPr kumimoji="1" lang="ja-JP" altLang="en-US"/>
+          </a:p>
+        </p:txBody>
+      </p:sp>
+      <p:sp>
+        <p:nvSpPr>
+          <p:cNvPr id="6" name="楕円 5"/>
+          <p:cNvSpPr/>
+          <p:nvPr/>
+        </p:nvSpPr>
+        <p:spPr>
+          <a:xfrm>
+            <a:off x="2155026" y="3831659"/>
+            <a:ext cx="359574" cy="359574"/>
+          </a:xfrm>
+          <a:prstGeom prst="ellipse">
+            <a:avLst/>
+          </a:prstGeom>
+        </p:spPr>
+        <p:style>
+          <a:lnRef idx="2">
+            <a:schemeClr val="accent1">
+              <a:shade val="50000"/>
+            </a:schemeClr>
+          </a:lnRef>
+          <a:fillRef idx="1">
+            <a:schemeClr val="accent1"/>
+          </a:fillRef>
+          <a:effectRef idx="0">
+            <a:schemeClr val="accent1"/>
+          </a:effectRef>
+          <a:fontRef idx="minor">
+            <a:schemeClr val="lt1"/>
+          </a:fontRef>
+        </p:style>
+        <p:txBody>
+          <a:bodyPr rtlCol="0" anchor="ctr"/>
+          <a:lstStyle/>
+          <a:p>
+            <a:pPr algn="ctr"/>
+            <a:endParaRPr kumimoji="1" lang="ja-JP" altLang="en-US"/>
+          </a:p>
+        </p:txBody>
+      </p:sp>
+      <p:cxnSp>
+        <p:nvCxnSpPr>
+          <p:cNvPr id="11" name="直線コネクタ 10"/>
+          <p:cNvCxnSpPr/>
+          <p:nvPr/>
+        </p:nvCxnSpPr>
+        <p:spPr>
+          <a:xfrm>
+            <a:off x="1066800" y="2752725"/>
+            <a:ext cx="0" cy="3571875"/>
+          </a:xfrm>
+          <a:prstGeom prst="line">
+            <a:avLst/>
+          </a:prstGeom>
+        </p:spPr>
+        <p:style>
+          <a:lnRef idx="1">
+            <a:schemeClr val="accent1"/>
+          </a:lnRef>
+          <a:fillRef idx="0">
+            <a:schemeClr val="accent1"/>
+          </a:fillRef>
+          <a:effectRef idx="0">
+            <a:schemeClr val="accent1"/>
+          </a:effectRef>
+          <a:fontRef idx="minor">
+            <a:schemeClr val="tx1"/>
+          </a:fontRef>
+        </p:style>
+      </p:cxnSp>
+      <p:cxnSp>
+        <p:nvCxnSpPr>
+          <p:cNvPr id="12" name="直線コネクタ 11"/>
+          <p:cNvCxnSpPr/>
+          <p:nvPr/>
+        </p:nvCxnSpPr>
+        <p:spPr>
+          <a:xfrm flipH="1">
+            <a:off x="685800" y="5924550"/>
+            <a:ext cx="10230568" cy="0"/>
+          </a:xfrm>
+          <a:prstGeom prst="line">
+            <a:avLst/>
+          </a:prstGeom>
+        </p:spPr>
+        <p:style>
+          <a:lnRef idx="1">
+            <a:schemeClr val="accent1"/>
+          </a:lnRef>
+          <a:fillRef idx="0">
+            <a:schemeClr val="accent1"/>
+          </a:fillRef>
+          <a:effectRef idx="0">
+            <a:schemeClr val="accent1"/>
+          </a:effectRef>
+          <a:fontRef idx="minor">
+            <a:schemeClr val="tx1"/>
+          </a:fontRef>
+        </p:style>
+      </p:cxnSp>
+      <p:cxnSp>
+        <p:nvCxnSpPr>
+          <p:cNvPr id="18" name="直線矢印コネクタ 17"/>
+          <p:cNvCxnSpPr>
+            <a:endCxn id="6" idx="3"/>
+          </p:cNvCxnSpPr>
+          <p:nvPr/>
+        </p:nvCxnSpPr>
+        <p:spPr>
+          <a:xfrm flipV="1">
+            <a:off x="1066800" y="4138575"/>
+            <a:ext cx="1140884" cy="1785976"/>
+          </a:xfrm>
+          <a:prstGeom prst="straightConnector1">
+            <a:avLst/>
+          </a:prstGeom>
+          <a:ln w="76200">
+            <a:solidFill>
+              <a:schemeClr val="tx1"/>
+            </a:solidFill>
+            <a:tailEnd type="triangle"/>
+          </a:ln>
+        </p:spPr>
+        <p:style>
+          <a:lnRef idx="1">
+            <a:schemeClr val="accent1"/>
+          </a:lnRef>
+          <a:fillRef idx="0">
+            <a:schemeClr val="accent1"/>
+          </a:fillRef>
+          <a:effectRef idx="0">
+            <a:schemeClr val="accent1"/>
+          </a:effectRef>
+          <a:fontRef idx="minor">
+            <a:schemeClr val="tx1"/>
+          </a:fontRef>
+        </p:style>
+      </p:cxnSp>
+      <p:cxnSp>
+        <p:nvCxnSpPr>
+          <p:cNvPr id="20" name="直線矢印コネクタ 19"/>
+          <p:cNvCxnSpPr>
+            <a:endCxn id="5" idx="4"/>
+          </p:cNvCxnSpPr>
+          <p:nvPr/>
+        </p:nvCxnSpPr>
+        <p:spPr>
+          <a:xfrm flipV="1">
+            <a:off x="1040472" y="3112299"/>
+            <a:ext cx="4976952" cy="2864910"/>
+          </a:xfrm>
+          <a:prstGeom prst="straightConnector1">
+            <a:avLst/>
+          </a:prstGeom>
+          <a:ln w="76200">
+            <a:solidFill>
+              <a:schemeClr val="tx1"/>
+            </a:solidFill>
+            <a:tailEnd type="triangle"/>
+          </a:ln>
+        </p:spPr>
+        <p:style>
+          <a:lnRef idx="1">
+            <a:schemeClr val="accent1"/>
+          </a:lnRef>
+          <a:fillRef idx="0">
+            <a:schemeClr val="accent1"/>
+          </a:fillRef>
+          <a:effectRef idx="0">
+            <a:schemeClr val="accent1"/>
+          </a:effectRef>
+          <a:fontRef idx="minor">
+            <a:schemeClr val="tx1"/>
+          </a:fontRef>
+        </p:style>
+      </p:cxnSp>
+      <p:sp>
+        <p:nvSpPr>
+          <p:cNvPr id="22" name="テキスト ボックス 21"/>
+          <p:cNvSpPr txBox="1"/>
+          <p:nvPr/>
+        </p:nvSpPr>
+        <p:spPr>
+          <a:xfrm>
+            <a:off x="2207684" y="3451741"/>
+            <a:ext cx="333746" cy="369332"/>
+          </a:xfrm>
+          <a:prstGeom prst="rect">
+            <a:avLst/>
+          </a:prstGeom>
+          <a:noFill/>
+        </p:spPr>
+        <p:txBody>
+          <a:bodyPr wrap="none" rtlCol="0">
+            <a:spAutoFit/>
+          </a:bodyPr>
+          <a:lstStyle/>
+          <a:p>
+            <a:r>
+              <a:rPr kumimoji="1" lang="en-US" altLang="ja-JP" dirty="0" smtClean="0"/>
+              <a:t>A</a:t>
+            </a:r>
+            <a:endParaRPr kumimoji="1" lang="ja-JP" altLang="en-US" dirty="0"/>
+          </a:p>
+        </p:txBody>
+      </p:sp>
+      <p:sp>
+        <p:nvSpPr>
+          <p:cNvPr id="23" name="テキスト ボックス 22"/>
+          <p:cNvSpPr txBox="1"/>
+          <p:nvPr/>
+        </p:nvSpPr>
+        <p:spPr>
+          <a:xfrm>
+            <a:off x="3826303" y="2997935"/>
+            <a:ext cx="333746" cy="369332"/>
+          </a:xfrm>
+          <a:prstGeom prst="rect">
+            <a:avLst/>
+          </a:prstGeom>
+          <a:noFill/>
+        </p:spPr>
+        <p:txBody>
+          <a:bodyPr wrap="none" rtlCol="0">
+            <a:spAutoFit/>
+          </a:bodyPr>
+          <a:lstStyle/>
+          <a:p>
+            <a:r>
+              <a:rPr lang="en-US" altLang="ja-JP" dirty="0"/>
+              <a:t>V</a:t>
+            </a:r>
+            <a:endParaRPr kumimoji="1" lang="ja-JP" altLang="en-US" dirty="0"/>
+          </a:p>
+        </p:txBody>
+      </p:sp>
+      <p:sp>
+        <p:nvSpPr>
+          <p:cNvPr id="24" name="テキスト ボックス 23"/>
+          <p:cNvSpPr txBox="1"/>
+          <p:nvPr/>
+        </p:nvSpPr>
+        <p:spPr>
+          <a:xfrm>
+            <a:off x="5837637" y="2468408"/>
+            <a:ext cx="341760" cy="369332"/>
+          </a:xfrm>
+          <a:prstGeom prst="rect">
+            <a:avLst/>
+          </a:prstGeom>
+          <a:noFill/>
+        </p:spPr>
+        <p:txBody>
+          <a:bodyPr wrap="none" rtlCol="0">
+            <a:spAutoFit/>
+          </a:bodyPr>
+          <a:lstStyle/>
+          <a:p>
+            <a:r>
+              <a:rPr lang="en-US" altLang="ja-JP" dirty="0"/>
+              <a:t>B</a:t>
+            </a:r>
+            <a:endParaRPr kumimoji="1" lang="ja-JP" altLang="en-US" dirty="0"/>
+          </a:p>
+        </p:txBody>
+      </p:sp>
+      <p:sp>
+        <p:nvSpPr>
+          <p:cNvPr id="25" name="テキスト ボックス 24"/>
+          <p:cNvSpPr txBox="1"/>
+          <p:nvPr/>
+        </p:nvSpPr>
+        <p:spPr>
+          <a:xfrm>
+            <a:off x="1837137" y="1886374"/>
+            <a:ext cx="2948243" cy="369332"/>
+          </a:xfrm>
+          <a:prstGeom prst="rect">
+            <a:avLst/>
+          </a:prstGeom>
+          <a:noFill/>
+        </p:spPr>
+        <p:txBody>
+          <a:bodyPr wrap="none" rtlCol="0">
+            <a:spAutoFit/>
+          </a:bodyPr>
+          <a:lstStyle/>
+          <a:p>
+            <a:r>
+              <a:rPr kumimoji="1" lang="en-US" altLang="ja-JP" dirty="0" smtClean="0"/>
+              <a:t>A</a:t>
+            </a:r>
+            <a:r>
+              <a:rPr kumimoji="1" lang="ja-JP" altLang="en-US" dirty="0" smtClean="0"/>
+              <a:t>位置　</a:t>
+            </a:r>
+            <a:r>
+              <a:rPr lang="ja-JP" altLang="en-US" dirty="0" err="1" smtClean="0"/>
+              <a:t>ー</a:t>
+            </a:r>
+            <a:r>
+              <a:rPr lang="ja-JP" altLang="en-US" dirty="0" smtClean="0"/>
+              <a:t>　</a:t>
+            </a:r>
+            <a:r>
+              <a:rPr lang="en-US" altLang="ja-JP" dirty="0" smtClean="0"/>
+              <a:t>B</a:t>
+            </a:r>
+            <a:r>
+              <a:rPr lang="ja-JP" altLang="en-US" dirty="0" smtClean="0"/>
+              <a:t>位置　＝　</a:t>
+            </a:r>
+            <a:r>
+              <a:rPr lang="en-US" altLang="ja-JP" dirty="0" smtClean="0"/>
+              <a:t>V</a:t>
+            </a:r>
+            <a:endParaRPr kumimoji="1" lang="ja-JP" altLang="en-US" dirty="0"/>
+          </a:p>
+        </p:txBody>
+      </p:sp>
+      <p:sp>
+        <p:nvSpPr>
+          <p:cNvPr id="26" name="テキスト ボックス 25"/>
+          <p:cNvSpPr txBox="1"/>
+          <p:nvPr/>
+        </p:nvSpPr>
+        <p:spPr>
+          <a:xfrm>
+            <a:off x="7083853" y="2709035"/>
+            <a:ext cx="4443845" cy="646331"/>
+          </a:xfrm>
+          <a:prstGeom prst="rect">
+            <a:avLst/>
+          </a:prstGeom>
+          <a:noFill/>
+        </p:spPr>
+        <p:txBody>
+          <a:bodyPr wrap="none" rtlCol="0">
+            <a:spAutoFit/>
+          </a:bodyPr>
+          <a:lstStyle/>
+          <a:p>
+            <a:r>
+              <a:rPr kumimoji="1" lang="ja-JP" altLang="en-US" dirty="0" smtClean="0"/>
+              <a:t>仮に位置を</a:t>
+            </a:r>
+            <a:r>
+              <a:rPr kumimoji="1" lang="en-US" altLang="ja-JP" dirty="0" smtClean="0"/>
+              <a:t>A</a:t>
+            </a:r>
+            <a:r>
+              <a:rPr kumimoji="1" lang="ja-JP" altLang="en-US" dirty="0" smtClean="0"/>
+              <a:t>（</a:t>
+            </a:r>
+            <a:r>
+              <a:rPr lang="en-US" altLang="ja-JP" dirty="0" smtClean="0"/>
+              <a:t>3</a:t>
+            </a:r>
+            <a:r>
+              <a:rPr lang="en-US" altLang="ja-JP" dirty="0"/>
+              <a:t>,</a:t>
+            </a:r>
+            <a:r>
+              <a:rPr lang="en-US" altLang="ja-JP" dirty="0" smtClean="0"/>
+              <a:t>3)</a:t>
+            </a:r>
+            <a:r>
+              <a:rPr lang="ja-JP" altLang="en-US" dirty="0" err="1" smtClean="0"/>
+              <a:t>，</a:t>
+            </a:r>
+            <a:r>
+              <a:rPr lang="en-US" altLang="ja-JP" dirty="0" smtClean="0"/>
+              <a:t>B</a:t>
+            </a:r>
+            <a:r>
+              <a:rPr lang="ja-JP" altLang="en-US" dirty="0" smtClean="0"/>
+              <a:t>（</a:t>
+            </a:r>
+            <a:r>
+              <a:rPr lang="en-US" altLang="ja-JP" dirty="0" smtClean="0"/>
+              <a:t>4,7</a:t>
+            </a:r>
+            <a:r>
+              <a:rPr lang="ja-JP" altLang="en-US" dirty="0" smtClean="0"/>
+              <a:t>）としたとき</a:t>
+            </a:r>
+            <a:endParaRPr lang="en-US" altLang="ja-JP" dirty="0" smtClean="0"/>
+          </a:p>
+          <a:p>
+            <a:r>
+              <a:rPr kumimoji="1" lang="en-US" altLang="ja-JP" dirty="0" smtClean="0"/>
+              <a:t>V</a:t>
+            </a:r>
+            <a:r>
+              <a:rPr kumimoji="1" lang="ja-JP" altLang="en-US" dirty="0" smtClean="0"/>
+              <a:t>の成分は？</a:t>
+            </a:r>
+            <a:endParaRPr kumimoji="1" lang="ja-JP" altLang="en-US" dirty="0"/>
+          </a:p>
+        </p:txBody>
+      </p:sp>
+      <p:sp>
+        <p:nvSpPr>
+          <p:cNvPr id="27" name="テキスト ボックス 26"/>
+          <p:cNvSpPr txBox="1"/>
+          <p:nvPr/>
+        </p:nvSpPr>
+        <p:spPr>
+          <a:xfrm>
+            <a:off x="7476975" y="4301429"/>
+            <a:ext cx="3640740" cy="646331"/>
+          </a:xfrm>
+          <a:prstGeom prst="rect">
+            <a:avLst/>
+          </a:prstGeom>
+          <a:noFill/>
+        </p:spPr>
+        <p:txBody>
+          <a:bodyPr wrap="none" rtlCol="0">
+            <a:spAutoFit/>
+          </a:bodyPr>
+          <a:lstStyle/>
+          <a:p>
+            <a:r>
+              <a:rPr lang="ja-JP" altLang="en-US" dirty="0" smtClean="0"/>
+              <a:t>位置</a:t>
+            </a:r>
+            <a:r>
+              <a:rPr lang="en-US" altLang="ja-JP" dirty="0" smtClean="0"/>
+              <a:t>A</a:t>
+            </a:r>
+            <a:r>
+              <a:rPr lang="ja-JP" altLang="en-US" dirty="0" smtClean="0"/>
+              <a:t>に</a:t>
+            </a:r>
+            <a:r>
+              <a:rPr lang="en-US" altLang="ja-JP" dirty="0" smtClean="0"/>
+              <a:t>V</a:t>
+            </a:r>
+            <a:r>
+              <a:rPr lang="ja-JP" altLang="en-US" dirty="0" smtClean="0"/>
+              <a:t>成分を加算すると位置</a:t>
+            </a:r>
+            <a:r>
+              <a:rPr lang="en-US" altLang="ja-JP" dirty="0" smtClean="0"/>
+              <a:t>B</a:t>
+            </a:r>
+          </a:p>
+          <a:p>
+            <a:r>
+              <a:rPr kumimoji="1" lang="ja-JP" altLang="en-US" dirty="0"/>
+              <a:t>と</a:t>
+            </a:r>
+            <a:r>
+              <a:rPr kumimoji="1" lang="ja-JP" altLang="en-US" dirty="0" smtClean="0"/>
+              <a:t>同じ値になる？</a:t>
+            </a:r>
+            <a:endParaRPr kumimoji="1" lang="ja-JP" altLang="en-US" dirty="0"/>
+          </a:p>
+        </p:txBody>
+      </p:sp>
+      <p:sp>
+        <p:nvSpPr>
+          <p:cNvPr id="28" name="テキスト ボックス 27"/>
+          <p:cNvSpPr txBox="1"/>
+          <p:nvPr/>
+        </p:nvSpPr>
+        <p:spPr>
+          <a:xfrm>
+            <a:off x="1303758" y="6110953"/>
+            <a:ext cx="4794902" cy="369332"/>
+          </a:xfrm>
+          <a:prstGeom prst="rect">
+            <a:avLst/>
+          </a:prstGeom>
+          <a:noFill/>
+        </p:spPr>
+        <p:txBody>
+          <a:bodyPr wrap="none" rtlCol="0">
+            <a:spAutoFit/>
+          </a:bodyPr>
+          <a:lstStyle/>
+          <a:p>
+            <a:r>
+              <a:rPr lang="ja-JP" altLang="en-US" dirty="0" smtClean="0"/>
+              <a:t>位置</a:t>
+            </a:r>
+            <a:r>
+              <a:rPr lang="en-US" altLang="ja-JP" dirty="0" smtClean="0"/>
+              <a:t>A</a:t>
+            </a:r>
+            <a:r>
+              <a:rPr lang="ja-JP" altLang="en-US" dirty="0" smtClean="0"/>
+              <a:t>に</a:t>
+            </a:r>
+            <a:r>
+              <a:rPr lang="en-US" altLang="ja-JP" dirty="0" smtClean="0"/>
+              <a:t>V</a:t>
+            </a:r>
+            <a:r>
+              <a:rPr lang="ja-JP" altLang="en-US" dirty="0" smtClean="0"/>
+              <a:t>を加算すると位置</a:t>
+            </a:r>
+            <a:r>
+              <a:rPr lang="en-US" altLang="ja-JP" dirty="0" smtClean="0"/>
+              <a:t>B</a:t>
+            </a:r>
+            <a:r>
+              <a:rPr kumimoji="1" lang="ja-JP" altLang="en-US" dirty="0" smtClean="0"/>
+              <a:t>と同じ値になる</a:t>
+            </a:r>
+            <a:endParaRPr kumimoji="1" lang="ja-JP" altLang="en-US" dirty="0"/>
+          </a:p>
+        </p:txBody>
+      </p:sp>
+    </p:spTree>
+    <p:extLst>
+      <p:ext uri="{BB962C8B-B14F-4D97-AF65-F5344CB8AC3E}">
+        <p14:creationId xmlns:p14="http://schemas.microsoft.com/office/powerpoint/2010/main" val="2260978126"/>
+      </p:ext>
+    </p:extLst>
+  </p:cSld>
+  <p:clrMapOvr>
+    <a:masterClrMapping/>
+  </p:clrMapOvr>
+</p:sld>
+</file>
+
+<file path=ppt/slides/slide16.xml><?xml version="1.0" encoding="utf-8"?>
+<p:sld xmlns:a="http://schemas.openxmlformats.org/drawingml/2006/main" xmlns:r="http://schemas.openxmlformats.org/officeDocument/2006/relationships" xmlns:p="http://schemas.openxmlformats.org/presentationml/2006/main">
+  <p:cSld>
+    <p:spTree>
+      <p:nvGrpSpPr>
+        <p:cNvPr id="1" name=""/>
+        <p:cNvGrpSpPr/>
+        <p:nvPr/>
+      </p:nvGrpSpPr>
+      <p:grpSpPr>
+        <a:xfrm>
+          <a:off x="0" y="0"/>
+          <a:ext cx="0" cy="0"/>
+          <a:chOff x="0" y="0"/>
+          <a:chExt cx="0" cy="0"/>
+        </a:xfrm>
+      </p:grpSpPr>
+      <p:cxnSp>
+        <p:nvCxnSpPr>
+          <p:cNvPr id="2" name="直線矢印コネクタ 1"/>
+          <p:cNvCxnSpPr/>
+          <p:nvPr/>
+        </p:nvCxnSpPr>
+        <p:spPr>
+          <a:xfrm flipV="1">
+            <a:off x="2209323" y="2107142"/>
+            <a:ext cx="3682611" cy="1078933"/>
+          </a:xfrm>
+          <a:prstGeom prst="straightConnector1">
+            <a:avLst/>
+          </a:prstGeom>
+          <a:ln w="76200">
+            <a:solidFill>
+              <a:schemeClr val="tx1"/>
+            </a:solidFill>
+            <a:tailEnd type="triangle"/>
+          </a:ln>
+        </p:spPr>
+        <p:style>
+          <a:lnRef idx="1">
+            <a:schemeClr val="accent1"/>
+          </a:lnRef>
+          <a:fillRef idx="0">
+            <a:schemeClr val="accent1"/>
+          </a:fillRef>
+          <a:effectRef idx="0">
+            <a:schemeClr val="accent1"/>
+          </a:effectRef>
+          <a:fontRef idx="minor">
+            <a:schemeClr val="tx1"/>
+          </a:fontRef>
+        </p:style>
+      </p:cxnSp>
+      <p:cxnSp>
+        <p:nvCxnSpPr>
+          <p:cNvPr id="5" name="直線矢印コネクタ 4"/>
+          <p:cNvCxnSpPr/>
+          <p:nvPr/>
+        </p:nvCxnSpPr>
+        <p:spPr>
+          <a:xfrm flipV="1">
+            <a:off x="1068439" y="3186075"/>
+            <a:ext cx="1140884" cy="1785976"/>
+          </a:xfrm>
+          <a:prstGeom prst="straightConnector1">
+            <a:avLst/>
+          </a:prstGeom>
+          <a:ln w="76200">
+            <a:solidFill>
+              <a:schemeClr val="tx1"/>
+            </a:solidFill>
+            <a:tailEnd type="triangle"/>
+          </a:ln>
+        </p:spPr>
+        <p:style>
+          <a:lnRef idx="1">
+            <a:schemeClr val="accent1"/>
+          </a:lnRef>
+          <a:fillRef idx="0">
+            <a:schemeClr val="accent1"/>
+          </a:fillRef>
+          <a:effectRef idx="0">
+            <a:schemeClr val="accent1"/>
+          </a:effectRef>
+          <a:fontRef idx="minor">
+            <a:schemeClr val="tx1"/>
+          </a:fontRef>
+        </p:style>
+      </p:cxnSp>
+      <p:cxnSp>
+        <p:nvCxnSpPr>
+          <p:cNvPr id="6" name="直線矢印コネクタ 5"/>
+          <p:cNvCxnSpPr/>
+          <p:nvPr/>
+        </p:nvCxnSpPr>
+        <p:spPr>
+          <a:xfrm flipV="1">
+            <a:off x="1042111" y="2159799"/>
+            <a:ext cx="4976952" cy="2864910"/>
+          </a:xfrm>
+          <a:prstGeom prst="straightConnector1">
+            <a:avLst/>
+          </a:prstGeom>
+          <a:ln w="76200">
+            <a:solidFill>
+              <a:srgbClr val="FF0000"/>
+            </a:solidFill>
+            <a:tailEnd type="triangle"/>
+          </a:ln>
+        </p:spPr>
+        <p:style>
+          <a:lnRef idx="1">
+            <a:schemeClr val="accent1"/>
+          </a:lnRef>
+          <a:fillRef idx="0">
+            <a:schemeClr val="accent1"/>
+          </a:fillRef>
+          <a:effectRef idx="0">
+            <a:schemeClr val="accent1"/>
+          </a:effectRef>
+          <a:fontRef idx="minor">
+            <a:schemeClr val="tx1"/>
+          </a:fontRef>
+        </p:style>
+      </p:cxnSp>
+      <p:sp>
+        <p:nvSpPr>
+          <p:cNvPr id="7" name="テキスト ボックス 6"/>
+          <p:cNvSpPr txBox="1"/>
+          <p:nvPr/>
+        </p:nvSpPr>
+        <p:spPr>
+          <a:xfrm>
+            <a:off x="1068439" y="3652198"/>
+            <a:ext cx="333746" cy="369332"/>
+          </a:xfrm>
+          <a:prstGeom prst="rect">
+            <a:avLst/>
+          </a:prstGeom>
+          <a:noFill/>
+        </p:spPr>
+        <p:txBody>
+          <a:bodyPr wrap="none" rtlCol="0">
+            <a:spAutoFit/>
+          </a:bodyPr>
+          <a:lstStyle/>
+          <a:p>
+            <a:r>
+              <a:rPr kumimoji="1" lang="en-US" altLang="ja-JP" dirty="0" smtClean="0"/>
+              <a:t>A</a:t>
+            </a:r>
+            <a:endParaRPr kumimoji="1" lang="ja-JP" altLang="en-US" dirty="0"/>
+          </a:p>
+        </p:txBody>
+      </p:sp>
+      <p:sp>
+        <p:nvSpPr>
+          <p:cNvPr id="8" name="テキスト ボックス 7"/>
+          <p:cNvSpPr txBox="1"/>
+          <p:nvPr/>
+        </p:nvSpPr>
+        <p:spPr>
+          <a:xfrm>
+            <a:off x="3589869" y="3736060"/>
+            <a:ext cx="333746" cy="369332"/>
+          </a:xfrm>
+          <a:prstGeom prst="rect">
+            <a:avLst/>
+          </a:prstGeom>
+          <a:noFill/>
+        </p:spPr>
+        <p:txBody>
+          <a:bodyPr wrap="none" rtlCol="0">
+            <a:spAutoFit/>
+          </a:bodyPr>
+          <a:lstStyle/>
+          <a:p>
+            <a:r>
+              <a:rPr lang="en-US" altLang="ja-JP" dirty="0"/>
+              <a:t>V</a:t>
+            </a:r>
+            <a:endParaRPr kumimoji="1" lang="ja-JP" altLang="en-US" dirty="0"/>
+          </a:p>
+        </p:txBody>
+      </p:sp>
+      <p:sp>
+        <p:nvSpPr>
+          <p:cNvPr id="9" name="テキスト ボックス 8"/>
+          <p:cNvSpPr txBox="1"/>
+          <p:nvPr/>
+        </p:nvSpPr>
+        <p:spPr>
+          <a:xfrm>
+            <a:off x="3616763" y="2054257"/>
+            <a:ext cx="341760" cy="369332"/>
+          </a:xfrm>
+          <a:prstGeom prst="rect">
+            <a:avLst/>
+          </a:prstGeom>
+          <a:noFill/>
+        </p:spPr>
+        <p:txBody>
+          <a:bodyPr wrap="none" rtlCol="0">
+            <a:spAutoFit/>
+          </a:bodyPr>
+          <a:lstStyle/>
+          <a:p>
+            <a:r>
+              <a:rPr lang="en-US" altLang="ja-JP" dirty="0"/>
+              <a:t>B</a:t>
+            </a:r>
+            <a:endParaRPr kumimoji="1" lang="ja-JP" altLang="en-US" dirty="0"/>
+          </a:p>
+        </p:txBody>
+      </p:sp>
+      <p:sp>
+        <p:nvSpPr>
+          <p:cNvPr id="11" name="テキスト ボックス 10"/>
+          <p:cNvSpPr txBox="1"/>
+          <p:nvPr/>
+        </p:nvSpPr>
+        <p:spPr>
+          <a:xfrm>
+            <a:off x="1885950" y="876300"/>
+            <a:ext cx="3953326" cy="369332"/>
+          </a:xfrm>
+          <a:prstGeom prst="rect">
+            <a:avLst/>
+          </a:prstGeom>
+          <a:noFill/>
+        </p:spPr>
+        <p:txBody>
+          <a:bodyPr wrap="none" rtlCol="0">
+            <a:spAutoFit/>
+          </a:bodyPr>
+          <a:lstStyle/>
+          <a:p>
+            <a:r>
+              <a:rPr kumimoji="1" lang="en-US" altLang="ja-JP" dirty="0" smtClean="0"/>
+              <a:t>A</a:t>
+            </a:r>
+            <a:r>
+              <a:rPr kumimoji="1" lang="ja-JP" altLang="en-US" dirty="0" smtClean="0"/>
+              <a:t>ベクトルと</a:t>
+            </a:r>
+            <a:r>
+              <a:rPr kumimoji="1" lang="en-US" altLang="ja-JP" dirty="0" smtClean="0"/>
+              <a:t>B</a:t>
+            </a:r>
+            <a:r>
+              <a:rPr kumimoji="1" lang="ja-JP" altLang="en-US" dirty="0" smtClean="0"/>
+              <a:t>ベクトルを加算すると</a:t>
+            </a:r>
+            <a:endParaRPr kumimoji="1" lang="ja-JP" altLang="en-US" dirty="0"/>
+          </a:p>
+        </p:txBody>
+      </p:sp>
+      <p:sp>
+        <p:nvSpPr>
+          <p:cNvPr id="14" name="テキスト ボックス 13"/>
+          <p:cNvSpPr txBox="1"/>
+          <p:nvPr/>
+        </p:nvSpPr>
+        <p:spPr>
+          <a:xfrm>
+            <a:off x="2354780" y="4241885"/>
+            <a:ext cx="5569153" cy="646331"/>
+          </a:xfrm>
+          <a:prstGeom prst="rect">
+            <a:avLst/>
+          </a:prstGeom>
+          <a:noFill/>
+        </p:spPr>
+        <p:txBody>
+          <a:bodyPr wrap="none" rtlCol="0">
+            <a:spAutoFit/>
+          </a:bodyPr>
+          <a:lstStyle/>
+          <a:p>
+            <a:r>
+              <a:rPr kumimoji="1" lang="en-US" altLang="ja-JP" dirty="0" smtClean="0"/>
+              <a:t>A</a:t>
+            </a:r>
+            <a:r>
+              <a:rPr kumimoji="1" lang="ja-JP" altLang="en-US" dirty="0" smtClean="0"/>
+              <a:t>ベクトルと</a:t>
+            </a:r>
+            <a:r>
+              <a:rPr kumimoji="1" lang="en-US" altLang="ja-JP" dirty="0" smtClean="0"/>
+              <a:t>B</a:t>
+            </a:r>
+            <a:r>
+              <a:rPr kumimoji="1" lang="ja-JP" altLang="en-US" dirty="0" smtClean="0"/>
+              <a:t>ベクトル三角形の公正なカタチになる</a:t>
+            </a:r>
+            <a:endParaRPr kumimoji="1" lang="en-US" altLang="ja-JP" dirty="0" smtClean="0"/>
+          </a:p>
+          <a:p>
+            <a:r>
+              <a:rPr kumimoji="1" lang="ja-JP" altLang="en-US" dirty="0" smtClean="0"/>
+              <a:t>成分を加算するこ</a:t>
+            </a:r>
+            <a:r>
+              <a:rPr lang="ja-JP" altLang="en-US" dirty="0"/>
+              <a:t>と</a:t>
+            </a:r>
+            <a:r>
+              <a:rPr lang="ja-JP" altLang="en-US" dirty="0" smtClean="0"/>
+              <a:t>で、力・向きが変化する</a:t>
+            </a:r>
+            <a:endParaRPr kumimoji="1" lang="ja-JP" altLang="en-US" dirty="0"/>
+          </a:p>
+        </p:txBody>
+      </p:sp>
+      <p:sp>
+        <p:nvSpPr>
+          <p:cNvPr id="15" name="テキスト ボックス 14"/>
+          <p:cNvSpPr txBox="1"/>
+          <p:nvPr/>
+        </p:nvSpPr>
+        <p:spPr>
+          <a:xfrm>
+            <a:off x="1885950" y="5541147"/>
+            <a:ext cx="5724644" cy="646331"/>
+          </a:xfrm>
+          <a:prstGeom prst="rect">
+            <a:avLst/>
+          </a:prstGeom>
+          <a:noFill/>
+        </p:spPr>
+        <p:txBody>
+          <a:bodyPr wrap="none" rtlCol="0">
+            <a:spAutoFit/>
+          </a:bodyPr>
+          <a:lstStyle/>
+          <a:p>
+            <a:r>
+              <a:rPr lang="ja-JP" altLang="en-US" dirty="0" smtClean="0"/>
+              <a:t>ゲームだと、位置・移動ベクトルと分けたほうがいい</a:t>
+            </a:r>
+            <a:endParaRPr lang="en-US" altLang="ja-JP" dirty="0" smtClean="0"/>
+          </a:p>
+          <a:p>
+            <a:r>
+              <a:rPr kumimoji="1" lang="ja-JP" altLang="en-US" dirty="0"/>
+              <a:t>３</a:t>
+            </a:r>
+            <a:r>
+              <a:rPr kumimoji="1" lang="en-US" altLang="ja-JP" dirty="0" smtClean="0"/>
+              <a:t>D</a:t>
+            </a:r>
+            <a:r>
+              <a:rPr kumimoji="1" lang="ja-JP" altLang="en-US" dirty="0" smtClean="0"/>
+              <a:t>だと、キャラクタの向きベクトル</a:t>
+            </a:r>
+            <a:endParaRPr kumimoji="1" lang="ja-JP" altLang="en-US" dirty="0"/>
+          </a:p>
+        </p:txBody>
+      </p:sp>
+      <p:sp>
+        <p:nvSpPr>
+          <p:cNvPr id="16" name="正方形/長方形 15"/>
+          <p:cNvSpPr/>
+          <p:nvPr/>
+        </p:nvSpPr>
+        <p:spPr>
+          <a:xfrm>
+            <a:off x="19734" y="2825234"/>
+            <a:ext cx="646331" cy="369332"/>
+          </a:xfrm>
+          <a:prstGeom prst="rect">
+            <a:avLst/>
+          </a:prstGeom>
+        </p:spPr>
+        <p:txBody>
+          <a:bodyPr wrap="none">
+            <a:spAutoFit/>
+          </a:bodyPr>
+          <a:lstStyle/>
+          <a:p>
+            <a:r>
+              <a:rPr lang="ja-JP" altLang="en-US" dirty="0"/>
+              <a:t>沈黙</a:t>
+            </a:r>
+          </a:p>
+        </p:txBody>
+      </p:sp>
+    </p:spTree>
+    <p:extLst>
+      <p:ext uri="{BB962C8B-B14F-4D97-AF65-F5344CB8AC3E}">
+        <p14:creationId xmlns:p14="http://schemas.microsoft.com/office/powerpoint/2010/main" val="218855873"/>
+      </p:ext>
+    </p:extLst>
+  </p:cSld>
+  <p:clrMapOvr>
+    <a:masterClrMapping/>
+  </p:clrMapOvr>
+</p:sld>
+</file>
+
+<file path=ppt/slides/slide17.xml><?xml version="1.0" encoding="utf-8"?>
+<p:sld xmlns:a="http://schemas.openxmlformats.org/drawingml/2006/main" xmlns:r="http://schemas.openxmlformats.org/officeDocument/2006/relationships" xmlns:p="http://schemas.openxmlformats.org/presentationml/2006/main">
+  <p:cSld>
+    <p:spTree>
+      <p:nvGrpSpPr>
+        <p:cNvPr id="1" name=""/>
+        <p:cNvGrpSpPr/>
+        <p:nvPr/>
+      </p:nvGrpSpPr>
+      <p:grpSpPr>
+        <a:xfrm>
+          <a:off x="0" y="0"/>
+          <a:ext cx="0" cy="0"/>
+          <a:chOff x="0" y="0"/>
+          <a:chExt cx="0" cy="0"/>
+        </a:xfrm>
+      </p:grpSpPr>
+      <p:sp>
+        <p:nvSpPr>
+          <p:cNvPr id="2" name="テキスト ボックス 1"/>
+          <p:cNvSpPr txBox="1"/>
+          <p:nvPr/>
+        </p:nvSpPr>
+        <p:spPr>
+          <a:xfrm>
+            <a:off x="514350" y="857250"/>
+            <a:ext cx="2723823" cy="369332"/>
+          </a:xfrm>
+          <a:prstGeom prst="rect">
+            <a:avLst/>
+          </a:prstGeom>
+          <a:noFill/>
+        </p:spPr>
+        <p:txBody>
+          <a:bodyPr wrap="none" rtlCol="0">
+            <a:spAutoFit/>
+          </a:bodyPr>
+          <a:lstStyle/>
+          <a:p>
+            <a:r>
+              <a:rPr kumimoji="1" lang="ja-JP" altLang="en-US" dirty="0" smtClean="0"/>
+              <a:t>・ベクトルのスカラー積</a:t>
+            </a:r>
+            <a:endParaRPr kumimoji="1" lang="ja-JP" altLang="en-US" dirty="0"/>
+          </a:p>
+        </p:txBody>
+      </p:sp>
+      <p:sp>
+        <p:nvSpPr>
+          <p:cNvPr id="3" name="テキスト ボックス 2"/>
+          <p:cNvSpPr txBox="1"/>
+          <p:nvPr/>
+        </p:nvSpPr>
+        <p:spPr>
+          <a:xfrm>
+            <a:off x="1295400" y="1695450"/>
+            <a:ext cx="7109639" cy="369332"/>
+          </a:xfrm>
+          <a:prstGeom prst="rect">
+            <a:avLst/>
+          </a:prstGeom>
+          <a:noFill/>
+        </p:spPr>
+        <p:txBody>
+          <a:bodyPr wrap="none" rtlCol="0">
+            <a:spAutoFit/>
+          </a:bodyPr>
+          <a:lstStyle/>
+          <a:p>
+            <a:r>
+              <a:rPr kumimoji="1" lang="ja-JP" altLang="en-US" dirty="0" smtClean="0"/>
+              <a:t>・ベクトルには、積が複数あります。（内積・外積・スカラー積）</a:t>
+            </a:r>
+            <a:endParaRPr kumimoji="1" lang="ja-JP" altLang="en-US" dirty="0"/>
+          </a:p>
+        </p:txBody>
+      </p:sp>
+      <p:cxnSp>
+        <p:nvCxnSpPr>
+          <p:cNvPr id="5" name="直線矢印コネクタ 4"/>
+          <p:cNvCxnSpPr/>
+          <p:nvPr/>
+        </p:nvCxnSpPr>
+        <p:spPr>
+          <a:xfrm flipV="1">
+            <a:off x="1295400" y="3752850"/>
+            <a:ext cx="914400" cy="895350"/>
+          </a:xfrm>
+          <a:prstGeom prst="straightConnector1">
+            <a:avLst/>
+          </a:prstGeom>
+          <a:ln w="76200">
+            <a:solidFill>
+              <a:schemeClr val="tx1"/>
+            </a:solidFill>
+            <a:tailEnd type="triangle"/>
+          </a:ln>
+        </p:spPr>
+        <p:style>
+          <a:lnRef idx="1">
+            <a:schemeClr val="accent1"/>
+          </a:lnRef>
+          <a:fillRef idx="0">
+            <a:schemeClr val="accent1"/>
+          </a:fillRef>
+          <a:effectRef idx="0">
+            <a:schemeClr val="accent1"/>
+          </a:effectRef>
+          <a:fontRef idx="minor">
+            <a:schemeClr val="tx1"/>
+          </a:fontRef>
+        </p:style>
+      </p:cxnSp>
+      <p:sp>
+        <p:nvSpPr>
+          <p:cNvPr id="9" name="テキスト ボックス 8"/>
+          <p:cNvSpPr txBox="1"/>
+          <p:nvPr/>
+        </p:nvSpPr>
+        <p:spPr>
+          <a:xfrm>
+            <a:off x="3371850" y="4015859"/>
+            <a:ext cx="1043876" cy="369332"/>
+          </a:xfrm>
+          <a:prstGeom prst="rect">
+            <a:avLst/>
+          </a:prstGeom>
+          <a:noFill/>
+        </p:spPr>
+        <p:txBody>
+          <a:bodyPr wrap="none" rtlCol="0">
+            <a:spAutoFit/>
+          </a:bodyPr>
+          <a:lstStyle/>
+          <a:p>
+            <a:r>
+              <a:rPr kumimoji="1" lang="en-US" altLang="ja-JP" dirty="0" smtClean="0"/>
+              <a:t>×</a:t>
+            </a:r>
+            <a:r>
+              <a:rPr kumimoji="1" lang="ja-JP" altLang="en-US" dirty="0" smtClean="0"/>
+              <a:t>３　</a:t>
+            </a:r>
+            <a:r>
+              <a:rPr lang="en-US" altLang="ja-JP" dirty="0"/>
+              <a:t>=</a:t>
+            </a:r>
+            <a:endParaRPr kumimoji="1" lang="ja-JP" altLang="en-US" dirty="0"/>
+          </a:p>
+        </p:txBody>
+      </p:sp>
+      <p:cxnSp>
+        <p:nvCxnSpPr>
+          <p:cNvPr id="10" name="直線矢印コネクタ 9"/>
+          <p:cNvCxnSpPr/>
+          <p:nvPr/>
+        </p:nvCxnSpPr>
+        <p:spPr>
+          <a:xfrm flipV="1">
+            <a:off x="7101776" y="2114550"/>
+            <a:ext cx="914400" cy="895350"/>
+          </a:xfrm>
+          <a:prstGeom prst="straightConnector1">
+            <a:avLst/>
+          </a:prstGeom>
+          <a:ln w="76200">
+            <a:solidFill>
+              <a:schemeClr val="tx1"/>
+            </a:solidFill>
+            <a:tailEnd type="triangle"/>
+          </a:ln>
+        </p:spPr>
+        <p:style>
+          <a:lnRef idx="1">
+            <a:schemeClr val="accent1"/>
+          </a:lnRef>
+          <a:fillRef idx="0">
+            <a:schemeClr val="accent1"/>
+          </a:fillRef>
+          <a:effectRef idx="0">
+            <a:schemeClr val="accent1"/>
+          </a:effectRef>
+          <a:fontRef idx="minor">
+            <a:schemeClr val="tx1"/>
+          </a:fontRef>
+        </p:style>
+      </p:cxnSp>
+      <p:cxnSp>
+        <p:nvCxnSpPr>
+          <p:cNvPr id="11" name="直線矢印コネクタ 10"/>
+          <p:cNvCxnSpPr/>
+          <p:nvPr/>
+        </p:nvCxnSpPr>
+        <p:spPr>
+          <a:xfrm flipV="1">
+            <a:off x="6187376" y="3009900"/>
+            <a:ext cx="914400" cy="895350"/>
+          </a:xfrm>
+          <a:prstGeom prst="straightConnector1">
+            <a:avLst/>
+          </a:prstGeom>
+          <a:ln w="76200">
+            <a:solidFill>
+              <a:schemeClr val="tx1"/>
+            </a:solidFill>
+            <a:tailEnd type="triangle"/>
+          </a:ln>
+        </p:spPr>
+        <p:style>
+          <a:lnRef idx="1">
+            <a:schemeClr val="accent1"/>
+          </a:lnRef>
+          <a:fillRef idx="0">
+            <a:schemeClr val="accent1"/>
+          </a:fillRef>
+          <a:effectRef idx="0">
+            <a:schemeClr val="accent1"/>
+          </a:effectRef>
+          <a:fontRef idx="minor">
+            <a:schemeClr val="tx1"/>
+          </a:fontRef>
+        </p:style>
+      </p:cxnSp>
+      <p:cxnSp>
+        <p:nvCxnSpPr>
+          <p:cNvPr id="12" name="直線矢印コネクタ 11"/>
+          <p:cNvCxnSpPr/>
+          <p:nvPr/>
+        </p:nvCxnSpPr>
+        <p:spPr>
+          <a:xfrm flipV="1">
+            <a:off x="5272976" y="3905250"/>
+            <a:ext cx="914400" cy="895350"/>
+          </a:xfrm>
+          <a:prstGeom prst="straightConnector1">
+            <a:avLst/>
+          </a:prstGeom>
+          <a:ln w="76200">
+            <a:solidFill>
+              <a:schemeClr val="tx1"/>
+            </a:solidFill>
+            <a:tailEnd type="triangle"/>
+          </a:ln>
+        </p:spPr>
+        <p:style>
+          <a:lnRef idx="1">
+            <a:schemeClr val="accent1"/>
+          </a:lnRef>
+          <a:fillRef idx="0">
+            <a:schemeClr val="accent1"/>
+          </a:fillRef>
+          <a:effectRef idx="0">
+            <a:schemeClr val="accent1"/>
+          </a:effectRef>
+          <a:fontRef idx="minor">
+            <a:schemeClr val="tx1"/>
+          </a:fontRef>
+        </p:style>
+      </p:cxnSp>
+      <p:cxnSp>
+        <p:nvCxnSpPr>
+          <p:cNvPr id="13" name="直線矢印コネクタ 12"/>
+          <p:cNvCxnSpPr/>
+          <p:nvPr/>
+        </p:nvCxnSpPr>
+        <p:spPr>
+          <a:xfrm flipV="1">
+            <a:off x="5749341" y="2131306"/>
+            <a:ext cx="2708974" cy="2652537"/>
+          </a:xfrm>
+          <a:prstGeom prst="straightConnector1">
+            <a:avLst/>
+          </a:prstGeom>
+          <a:ln w="76200">
+            <a:solidFill>
+              <a:schemeClr val="tx1"/>
+            </a:solidFill>
+            <a:tailEnd type="triangle"/>
+          </a:ln>
+        </p:spPr>
+        <p:style>
+          <a:lnRef idx="1">
+            <a:schemeClr val="accent1"/>
+          </a:lnRef>
+          <a:fillRef idx="0">
+            <a:schemeClr val="accent1"/>
+          </a:fillRef>
+          <a:effectRef idx="0">
+            <a:schemeClr val="accent1"/>
+          </a:effectRef>
+          <a:fontRef idx="minor">
+            <a:schemeClr val="tx1"/>
+          </a:fontRef>
+        </p:style>
+      </p:cxnSp>
+      <p:sp>
+        <p:nvSpPr>
+          <p:cNvPr id="15" name="テキスト ボックス 14"/>
+          <p:cNvSpPr txBox="1"/>
+          <p:nvPr/>
+        </p:nvSpPr>
+        <p:spPr>
+          <a:xfrm>
+            <a:off x="7547399" y="3712205"/>
+            <a:ext cx="2621230" cy="369332"/>
+          </a:xfrm>
+          <a:prstGeom prst="rect">
+            <a:avLst/>
+          </a:prstGeom>
+          <a:noFill/>
+        </p:spPr>
+        <p:txBody>
+          <a:bodyPr wrap="none" rtlCol="0">
+            <a:spAutoFit/>
+          </a:bodyPr>
+          <a:lstStyle/>
+          <a:p>
+            <a:r>
+              <a:rPr lang="ja-JP" altLang="en-US" dirty="0" smtClean="0"/>
+              <a:t>ベクトル成分を</a:t>
+            </a:r>
+            <a:r>
+              <a:rPr lang="en-US" altLang="ja-JP" dirty="0" smtClean="0"/>
+              <a:t>3</a:t>
+            </a:r>
+            <a:r>
+              <a:rPr lang="ja-JP" altLang="en-US" dirty="0" smtClean="0"/>
+              <a:t>倍した</a:t>
+            </a:r>
+            <a:endParaRPr kumimoji="1" lang="ja-JP" altLang="en-US" dirty="0"/>
+          </a:p>
+        </p:txBody>
+      </p:sp>
+      <p:sp>
+        <p:nvSpPr>
+          <p:cNvPr id="16" name="テキスト ボックス 15"/>
+          <p:cNvSpPr txBox="1"/>
+          <p:nvPr/>
+        </p:nvSpPr>
+        <p:spPr>
+          <a:xfrm>
+            <a:off x="2015311" y="5524500"/>
+            <a:ext cx="3877985" cy="369332"/>
+          </a:xfrm>
+          <a:prstGeom prst="rect">
+            <a:avLst/>
+          </a:prstGeom>
+          <a:noFill/>
+        </p:spPr>
+        <p:txBody>
+          <a:bodyPr wrap="none" rtlCol="0">
+            <a:spAutoFit/>
+          </a:bodyPr>
+          <a:lstStyle/>
+          <a:p>
+            <a:r>
+              <a:rPr lang="ja-JP" altLang="en-US" dirty="0" smtClean="0"/>
+              <a:t>向きは変わらないが、力は変化する</a:t>
+            </a:r>
+            <a:endParaRPr kumimoji="1" lang="ja-JP" altLang="en-US" dirty="0"/>
+          </a:p>
+        </p:txBody>
+      </p:sp>
+    </p:spTree>
+    <p:extLst>
+      <p:ext uri="{BB962C8B-B14F-4D97-AF65-F5344CB8AC3E}">
+        <p14:creationId xmlns:p14="http://schemas.microsoft.com/office/powerpoint/2010/main" val="1262824372"/>
+      </p:ext>
+    </p:extLst>
+  </p:cSld>
+  <p:clrMapOvr>
+    <a:masterClrMapping/>
+  </p:clrMapOvr>
+</p:sld>
+</file>
+
+<file path=ppt/slides/slide18.xml><?xml version="1.0" encoding="utf-8"?>
+<p:sld xmlns:a="http://schemas.openxmlformats.org/drawingml/2006/main" xmlns:r="http://schemas.openxmlformats.org/officeDocument/2006/relationships" xmlns:p="http://schemas.openxmlformats.org/presentationml/2006/main">
+  <p:cSld>
+    <p:spTree>
+      <p:nvGrpSpPr>
+        <p:cNvPr id="1" name=""/>
+        <p:cNvGrpSpPr/>
+        <p:nvPr/>
+      </p:nvGrpSpPr>
+      <p:grpSpPr>
+        <a:xfrm>
+          <a:off x="0" y="0"/>
+          <a:ext cx="0" cy="0"/>
+          <a:chOff x="0" y="0"/>
+          <a:chExt cx="0" cy="0"/>
+        </a:xfrm>
+      </p:grpSpPr>
+      <p:sp>
+        <p:nvSpPr>
+          <p:cNvPr id="2" name="テキスト ボックス 1"/>
+          <p:cNvSpPr txBox="1"/>
+          <p:nvPr/>
+        </p:nvSpPr>
+        <p:spPr>
+          <a:xfrm>
+            <a:off x="762000" y="628650"/>
+            <a:ext cx="4570482" cy="369332"/>
+          </a:xfrm>
+          <a:prstGeom prst="rect">
+            <a:avLst/>
+          </a:prstGeom>
+          <a:noFill/>
+        </p:spPr>
+        <p:txBody>
+          <a:bodyPr wrap="none" rtlCol="0">
+            <a:spAutoFit/>
+          </a:bodyPr>
+          <a:lstStyle/>
+          <a:p>
+            <a:r>
+              <a:rPr lang="ja-JP" altLang="en-US" dirty="0" smtClean="0"/>
+              <a:t>・ベクトルの大きさ・力（長さ）を求める</a:t>
+            </a:r>
+            <a:endParaRPr kumimoji="1" lang="ja-JP" altLang="en-US" dirty="0"/>
+          </a:p>
+        </p:txBody>
+      </p:sp>
+      <p:sp>
+        <p:nvSpPr>
+          <p:cNvPr id="3" name="テキスト ボックス 2"/>
+          <p:cNvSpPr txBox="1"/>
+          <p:nvPr/>
+        </p:nvSpPr>
+        <p:spPr>
+          <a:xfrm>
+            <a:off x="762000" y="1238250"/>
+            <a:ext cx="7571303" cy="369332"/>
+          </a:xfrm>
+          <a:prstGeom prst="rect">
+            <a:avLst/>
+          </a:prstGeom>
+          <a:noFill/>
+        </p:spPr>
+        <p:txBody>
+          <a:bodyPr wrap="none" rtlCol="0">
+            <a:spAutoFit/>
+          </a:bodyPr>
+          <a:lstStyle/>
+          <a:p>
+            <a:r>
+              <a:rPr lang="ja-JP" altLang="en-US" dirty="0" smtClean="0"/>
+              <a:t>・ベクトル</a:t>
+            </a:r>
+            <a:r>
+              <a:rPr lang="ja-JP" altLang="en-US" dirty="0"/>
+              <a:t>に</a:t>
+            </a:r>
+            <a:r>
+              <a:rPr lang="ja-JP" altLang="en-US" dirty="0" smtClean="0"/>
+              <a:t>は力と向きが存在する。力を求めるにはどうしたらいいか</a:t>
+            </a:r>
+            <a:endParaRPr kumimoji="1" lang="ja-JP" altLang="en-US" dirty="0"/>
+          </a:p>
+        </p:txBody>
+      </p:sp>
+      <p:cxnSp>
+        <p:nvCxnSpPr>
+          <p:cNvPr id="5" name="直線矢印コネクタ 4"/>
+          <p:cNvCxnSpPr/>
+          <p:nvPr/>
+        </p:nvCxnSpPr>
+        <p:spPr>
+          <a:xfrm flipV="1">
+            <a:off x="1543050" y="2876550"/>
+            <a:ext cx="2019300" cy="1943100"/>
+          </a:xfrm>
+          <a:prstGeom prst="straightConnector1">
+            <a:avLst/>
+          </a:prstGeom>
+          <a:ln w="76200">
+            <a:solidFill>
+              <a:srgbClr val="FF0000"/>
+            </a:solidFill>
+            <a:tailEnd type="triangle"/>
+          </a:ln>
+        </p:spPr>
+        <p:style>
+          <a:lnRef idx="1">
+            <a:schemeClr val="accent1"/>
+          </a:lnRef>
+          <a:fillRef idx="0">
+            <a:schemeClr val="accent1"/>
+          </a:fillRef>
+          <a:effectRef idx="0">
+            <a:schemeClr val="accent1"/>
+          </a:effectRef>
+          <a:fontRef idx="minor">
+            <a:schemeClr val="tx1"/>
+          </a:fontRef>
+        </p:style>
+      </p:cxnSp>
+      <p:sp>
+        <p:nvSpPr>
+          <p:cNvPr id="7" name="テキスト ボックス 6"/>
+          <p:cNvSpPr txBox="1"/>
+          <p:nvPr/>
+        </p:nvSpPr>
+        <p:spPr>
+          <a:xfrm>
+            <a:off x="4191000" y="2514600"/>
+            <a:ext cx="1111202" cy="369332"/>
+          </a:xfrm>
+          <a:prstGeom prst="rect">
+            <a:avLst/>
+          </a:prstGeom>
+          <a:noFill/>
+        </p:spPr>
+        <p:txBody>
+          <a:bodyPr wrap="none" rtlCol="0">
+            <a:spAutoFit/>
+          </a:bodyPr>
+          <a:lstStyle/>
+          <a:p>
+            <a:r>
+              <a:rPr kumimoji="1" lang="en-US" altLang="ja-JP" dirty="0" smtClean="0"/>
+              <a:t>V</a:t>
+            </a:r>
+            <a:r>
+              <a:rPr kumimoji="1" lang="ja-JP" altLang="en-US" dirty="0" smtClean="0"/>
+              <a:t>（</a:t>
+            </a:r>
+            <a:r>
+              <a:rPr kumimoji="1" lang="en-US" altLang="ja-JP" dirty="0" smtClean="0"/>
+              <a:t>2,2</a:t>
+            </a:r>
+            <a:r>
+              <a:rPr kumimoji="1" lang="ja-JP" altLang="en-US" dirty="0" smtClean="0"/>
+              <a:t>）</a:t>
+            </a:r>
+            <a:endParaRPr kumimoji="1" lang="ja-JP" altLang="en-US" dirty="0"/>
+          </a:p>
+        </p:txBody>
+      </p:sp>
+      <mc:AlternateContent xmlns:mc="http://schemas.openxmlformats.org/markup-compatibility/2006">
+        <mc:Choice xmlns:a14="http://schemas.microsoft.com/office/drawing/2010/main" Requires="a14">
+          <p:sp>
+            <p:nvSpPr>
+              <p:cNvPr id="8" name="テキスト ボックス 7"/>
+              <p:cNvSpPr txBox="1"/>
+              <p:nvPr/>
+            </p:nvSpPr>
+            <p:spPr>
+              <a:xfrm>
+                <a:off x="2552700" y="5257800"/>
+                <a:ext cx="2554561" cy="539571"/>
+              </a:xfrm>
+              <a:prstGeom prst="rect">
+                <a:avLst/>
+              </a:prstGeom>
+              <a:noFill/>
+            </p:spPr>
+            <p:txBody>
+              <a:bodyPr wrap="square" rtlCol="0">
+                <a:spAutoFit/>
+              </a:bodyPr>
+              <a:lstStyle/>
+              <a:p>
+                <a:r>
+                  <a:rPr kumimoji="1" lang="en-US" altLang="ja-JP" sz="2400" dirty="0" smtClean="0"/>
+                  <a:t>L</a:t>
+                </a:r>
+                <a:r>
+                  <a:rPr kumimoji="1" lang="ja-JP" altLang="en-US" sz="2400" dirty="0" smtClean="0"/>
+                  <a:t>＝</a:t>
+                </a:r>
+                <a14:m>
+                  <m:oMath xmlns:m="http://schemas.openxmlformats.org/officeDocument/2006/math">
+                    <m:rad>
+                      <m:radPr>
+                        <m:degHide m:val="on"/>
+                        <m:ctrlPr>
+                          <a:rPr kumimoji="1" lang="en-US" altLang="ja-JP" sz="2400" i="1" smtClean="0">
+                            <a:latin typeface="Cambria Math" panose="02040503050406030204" pitchFamily="18" charset="0"/>
+                          </a:rPr>
+                        </m:ctrlPr>
+                      </m:radPr>
+                      <m:deg/>
+                      <m:e>
+                        <m:sSup>
+                          <m:sSupPr>
+                            <m:ctrlPr>
+                              <a:rPr kumimoji="1" lang="en-US" altLang="ja-JP" sz="2400" i="1" smtClean="0">
+                                <a:latin typeface="Cambria Math" panose="02040503050406030204" pitchFamily="18" charset="0"/>
+                              </a:rPr>
+                            </m:ctrlPr>
+                          </m:sSupPr>
+                          <m:e>
+                            <m:r>
+                              <a:rPr kumimoji="1" lang="en-US" altLang="ja-JP" sz="2400" b="0" i="1" smtClean="0">
+                                <a:latin typeface="Cambria Math" panose="02040503050406030204" pitchFamily="18" charset="0"/>
+                              </a:rPr>
+                              <m:t>𝑉</m:t>
+                            </m:r>
+                            <m:r>
+                              <a:rPr kumimoji="1" lang="en-US" altLang="ja-JP" sz="2400" b="0" i="1" smtClean="0">
+                                <a:latin typeface="Cambria Math" panose="02040503050406030204" pitchFamily="18" charset="0"/>
+                              </a:rPr>
+                              <m:t>.</m:t>
+                            </m:r>
+                            <m:r>
+                              <a:rPr kumimoji="1" lang="en-US" altLang="ja-JP" sz="2400" b="0" i="1" smtClean="0">
+                                <a:latin typeface="Cambria Math" panose="02040503050406030204" pitchFamily="18" charset="0"/>
+                              </a:rPr>
+                              <m:t>𝑥</m:t>
+                            </m:r>
+                          </m:e>
+                          <m:sup>
+                            <m:r>
+                              <a:rPr kumimoji="1" lang="en-US" altLang="ja-JP" sz="2400" i="1" smtClean="0">
+                                <a:latin typeface="Cambria Math" panose="02040503050406030204" pitchFamily="18" charset="0"/>
+                              </a:rPr>
+                              <m:t>2</m:t>
+                            </m:r>
+                          </m:sup>
+                        </m:sSup>
+                        <m:r>
+                          <a:rPr kumimoji="1" lang="en-US" altLang="ja-JP" sz="2400" i="1" smtClean="0">
+                            <a:latin typeface="Cambria Math" panose="02040503050406030204" pitchFamily="18" charset="0"/>
+                          </a:rPr>
+                          <m:t>+</m:t>
+                        </m:r>
+                        <m:sSup>
+                          <m:sSupPr>
+                            <m:ctrlPr>
+                              <a:rPr kumimoji="1" lang="en-US" altLang="ja-JP" sz="2400" i="1" smtClean="0">
+                                <a:latin typeface="Cambria Math" panose="02040503050406030204" pitchFamily="18" charset="0"/>
+                              </a:rPr>
+                            </m:ctrlPr>
+                          </m:sSupPr>
+                          <m:e>
+                            <m:r>
+                              <a:rPr kumimoji="1" lang="en-US" altLang="ja-JP" sz="2400" b="0" i="1" smtClean="0">
+                                <a:latin typeface="Cambria Math" panose="02040503050406030204" pitchFamily="18" charset="0"/>
+                              </a:rPr>
+                              <m:t>𝑉</m:t>
+                            </m:r>
+                            <m:r>
+                              <a:rPr kumimoji="1" lang="en-US" altLang="ja-JP" sz="2400" b="0" i="1" smtClean="0">
+                                <a:latin typeface="Cambria Math" panose="02040503050406030204" pitchFamily="18" charset="0"/>
+                              </a:rPr>
+                              <m:t>.</m:t>
+                            </m:r>
+                            <m:r>
+                              <a:rPr kumimoji="1" lang="en-US" altLang="ja-JP" sz="2400" b="0" i="1" smtClean="0">
+                                <a:latin typeface="Cambria Math" panose="02040503050406030204" pitchFamily="18" charset="0"/>
+                              </a:rPr>
+                              <m:t>𝑦</m:t>
+                            </m:r>
+                          </m:e>
+                          <m:sup>
+                            <m:r>
+                              <a:rPr kumimoji="1" lang="en-US" altLang="ja-JP" sz="2400" i="1" smtClean="0">
+                                <a:latin typeface="Cambria Math" panose="02040503050406030204" pitchFamily="18" charset="0"/>
+                              </a:rPr>
+                              <m:t>2</m:t>
+                            </m:r>
+                          </m:sup>
+                        </m:sSup>
+                      </m:e>
+                    </m:rad>
+                  </m:oMath>
+                </a14:m>
+                <a:endParaRPr kumimoji="1" lang="ja-JP" altLang="en-US" sz="2400" dirty="0"/>
+              </a:p>
+            </p:txBody>
+          </p:sp>
+        </mc:Choice>
+        <mc:Fallback>
+          <p:sp>
+            <p:nvSpPr>
+              <p:cNvPr id="8" name="テキスト ボックス 7"/>
+              <p:cNvSpPr txBox="1">
+                <a:spLocks noRot="1" noChangeAspect="1" noMove="1" noResize="1" noEditPoints="1" noAdjustHandles="1" noChangeArrowheads="1" noChangeShapeType="1" noTextEdit="1"/>
+              </p:cNvSpPr>
+              <p:nvPr/>
+            </p:nvSpPr>
+            <p:spPr>
+              <a:xfrm>
+                <a:off x="2552700" y="5257800"/>
+                <a:ext cx="2554561" cy="539571"/>
+              </a:xfrm>
+              <a:prstGeom prst="rect">
+                <a:avLst/>
+              </a:prstGeom>
+              <a:blipFill>
+                <a:blip r:embed="rId2"/>
+                <a:stretch>
+                  <a:fillRect l="-3819" b="-25000"/>
+                </a:stretch>
+              </a:blipFill>
+            </p:spPr>
+            <p:txBody>
+              <a:bodyPr/>
+              <a:lstStyle/>
+              <a:p>
+                <a:r>
+                  <a:rPr lang="ja-JP" altLang="en-US">
+                    <a:noFill/>
+                  </a:rPr>
+                  <a:t> </a:t>
+                </a:r>
+              </a:p>
+            </p:txBody>
+          </p:sp>
+        </mc:Fallback>
+      </mc:AlternateContent>
+    </p:spTree>
+    <p:extLst>
+      <p:ext uri="{BB962C8B-B14F-4D97-AF65-F5344CB8AC3E}">
+        <p14:creationId xmlns:p14="http://schemas.microsoft.com/office/powerpoint/2010/main" val="3251310287"/>
+      </p:ext>
+    </p:extLst>
+  </p:cSld>
+  <p:clrMapOvr>
+    <a:masterClrMapping/>
+  </p:clrMapOvr>
+</p:sld>
+</file>
+
+<file path=ppt/slides/slide19.xml><?xml version="1.0" encoding="utf-8"?>
+<p:sld xmlns:a="http://schemas.openxmlformats.org/drawingml/2006/main" xmlns:r="http://schemas.openxmlformats.org/officeDocument/2006/relationships" xmlns:p="http://schemas.openxmlformats.org/presentationml/2006/main">
+  <p:cSld>
+    <p:spTree>
+      <p:nvGrpSpPr>
+        <p:cNvPr id="1" name=""/>
+        <p:cNvGrpSpPr/>
+        <p:nvPr/>
+      </p:nvGrpSpPr>
+      <p:grpSpPr>
+        <a:xfrm>
+          <a:off x="0" y="0"/>
+          <a:ext cx="0" cy="0"/>
+          <a:chOff x="0" y="0"/>
+          <a:chExt cx="0" cy="0"/>
+        </a:xfrm>
+      </p:grpSpPr>
+      <p:sp>
+        <p:nvSpPr>
+          <p:cNvPr id="2" name="テキスト ボックス 1"/>
+          <p:cNvSpPr txBox="1"/>
+          <p:nvPr/>
+        </p:nvSpPr>
+        <p:spPr>
+          <a:xfrm>
+            <a:off x="704850" y="857250"/>
+            <a:ext cx="2262158" cy="369332"/>
+          </a:xfrm>
+          <a:prstGeom prst="rect">
+            <a:avLst/>
+          </a:prstGeom>
+          <a:noFill/>
+        </p:spPr>
+        <p:txBody>
+          <a:bodyPr wrap="none" rtlCol="0">
+            <a:spAutoFit/>
+          </a:bodyPr>
+          <a:lstStyle/>
+          <a:p>
+            <a:r>
+              <a:rPr lang="ja-JP" altLang="en-US" dirty="0" smtClean="0"/>
+              <a:t>・ベクトルの正規化</a:t>
+            </a:r>
+            <a:endParaRPr kumimoji="1" lang="ja-JP" altLang="en-US" dirty="0"/>
+          </a:p>
+        </p:txBody>
+      </p:sp>
+      <mc:AlternateContent xmlns:mc="http://schemas.openxmlformats.org/markup-compatibility/2006">
+        <mc:Choice xmlns:a14="http://schemas.microsoft.com/office/drawing/2010/main" Requires="a14">
+          <p:sp>
+            <p:nvSpPr>
+              <p:cNvPr id="3" name="テキスト ボックス 2"/>
+              <p:cNvSpPr txBox="1"/>
+              <p:nvPr/>
+            </p:nvSpPr>
+            <p:spPr>
+              <a:xfrm>
+                <a:off x="1162050" y="1828800"/>
+                <a:ext cx="8350106" cy="2862322"/>
+              </a:xfrm>
+              <a:prstGeom prst="rect">
+                <a:avLst/>
+              </a:prstGeom>
+              <a:noFill/>
+            </p:spPr>
+            <p:txBody>
+              <a:bodyPr wrap="none" rtlCol="0">
+                <a:spAutoFit/>
+              </a:bodyPr>
+              <a:lstStyle/>
+              <a:p>
+                <a:r>
+                  <a:rPr lang="ja-JP" altLang="en-US" dirty="0" smtClean="0"/>
+                  <a:t>・ベクトルの大きさ１は、</a:t>
+                </a:r>
+                <a:r>
+                  <a:rPr lang="en-US" altLang="ja-JP" dirty="0" smtClean="0"/>
+                  <a:t>V</a:t>
+                </a:r>
+                <a:r>
+                  <a:rPr lang="ja-JP" altLang="en-US" dirty="0" smtClean="0"/>
+                  <a:t>（</a:t>
+                </a:r>
+                <a:r>
+                  <a:rPr lang="en-US" altLang="ja-JP" dirty="0" smtClean="0"/>
+                  <a:t>1,1</a:t>
+                </a:r>
+                <a:r>
+                  <a:rPr lang="ja-JP" altLang="en-US" dirty="0" smtClean="0"/>
+                  <a:t>）では無い</a:t>
+                </a:r>
+                <a:endParaRPr lang="en-US" altLang="ja-JP" dirty="0" smtClean="0"/>
+              </a:p>
+              <a:p>
+                <a:r>
+                  <a:rPr kumimoji="1" lang="ja-JP" altLang="en-US" dirty="0" smtClean="0"/>
+                  <a:t>正規化とは、ベクトルを大きさ１にすることができる</a:t>
+                </a:r>
+                <a:endParaRPr kumimoji="1" lang="en-US" altLang="ja-JP" dirty="0" smtClean="0"/>
+              </a:p>
+              <a:p>
+                <a:endParaRPr lang="en-US" altLang="ja-JP" dirty="0"/>
+              </a:p>
+              <a:p>
+                <a:r>
+                  <a:rPr kumimoji="1" lang="ja-JP" altLang="en-US" dirty="0" smtClean="0"/>
+                  <a:t>１とは単位です。これがないと基準が作れない</a:t>
+                </a:r>
+                <a:endParaRPr kumimoji="1" lang="en-US" altLang="ja-JP" dirty="0" smtClean="0"/>
+              </a:p>
+              <a:p>
+                <a:endParaRPr lang="en-US" altLang="ja-JP" dirty="0"/>
+              </a:p>
+              <a:p>
+                <a:r>
+                  <a:rPr kumimoji="1" lang="en-US" altLang="ja-JP" dirty="0" smtClean="0"/>
+                  <a:t>	</a:t>
+                </a:r>
+                <a:r>
+                  <a:rPr kumimoji="1" lang="ja-JP" altLang="en-US" dirty="0" smtClean="0"/>
+                  <a:t>大きさ１のベクトルの成分は、</a:t>
+                </a:r>
+                <a:r>
+                  <a:rPr kumimoji="1" lang="en-US" altLang="ja-JP" dirty="0" smtClean="0"/>
+                  <a:t>V</a:t>
+                </a:r>
+                <a14:m>
+                  <m:oMath xmlns:m="http://schemas.openxmlformats.org/officeDocument/2006/math">
+                    <m:d>
+                      <m:dPr>
+                        <m:ctrlPr>
+                          <a:rPr kumimoji="1" lang="en-US" altLang="ja-JP" i="1" smtClean="0">
+                            <a:latin typeface="Cambria Math" panose="02040503050406030204" pitchFamily="18" charset="0"/>
+                          </a:rPr>
+                        </m:ctrlPr>
+                      </m:dPr>
+                      <m:e>
+                        <m:r>
+                          <a:rPr kumimoji="1" lang="en-US" altLang="ja-JP" b="0" i="1" smtClean="0">
+                            <a:latin typeface="Cambria Math" panose="02040503050406030204" pitchFamily="18" charset="0"/>
+                          </a:rPr>
+                          <m:t>𝑠𝑖𝑛</m:t>
+                        </m:r>
+                        <m:r>
+                          <a:rPr kumimoji="1" lang="ja-JP" altLang="en-US" b="0" i="1" smtClean="0">
+                            <a:latin typeface="Cambria Math" panose="02040503050406030204" pitchFamily="18" charset="0"/>
+                          </a:rPr>
+                          <m:t>𝜃</m:t>
+                        </m:r>
+                        <m:r>
+                          <a:rPr kumimoji="1" lang="en-US" altLang="ja-JP" b="0" i="1" smtClean="0">
+                            <a:latin typeface="Cambria Math" panose="02040503050406030204" pitchFamily="18" charset="0"/>
+                          </a:rPr>
+                          <m:t>,</m:t>
+                        </m:r>
+                        <m:r>
+                          <a:rPr kumimoji="1" lang="en-US" altLang="ja-JP" b="0" i="1" smtClean="0">
+                            <a:latin typeface="Cambria Math" panose="02040503050406030204" pitchFamily="18" charset="0"/>
+                          </a:rPr>
+                          <m:t>𝑐𝑜𝑠</m:t>
+                        </m:r>
+                        <m:r>
+                          <a:rPr kumimoji="1" lang="ja-JP" altLang="en-US" b="0" i="1" smtClean="0">
+                            <a:latin typeface="Cambria Math" panose="02040503050406030204" pitchFamily="18" charset="0"/>
+                          </a:rPr>
+                          <m:t>𝜃</m:t>
+                        </m:r>
+                      </m:e>
+                    </m:d>
+                  </m:oMath>
+                </a14:m>
+                <a:r>
+                  <a:rPr kumimoji="1" lang="ja-JP" altLang="en-US" dirty="0" smtClean="0"/>
+                  <a:t>です</a:t>
+                </a:r>
+                <a:endParaRPr kumimoji="1" lang="en-US" altLang="ja-JP" dirty="0" smtClean="0"/>
+              </a:p>
+              <a:p>
+                <a:r>
+                  <a:rPr lang="en-US" altLang="ja-JP" dirty="0"/>
+                  <a:t>	</a:t>
+                </a:r>
+                <a:r>
+                  <a:rPr lang="ja-JP" altLang="en-US" dirty="0" smtClean="0"/>
+                  <a:t>大きさ１のベクトルを「単位ベクトル」と呼ぶ</a:t>
+                </a:r>
+                <a:endParaRPr lang="en-US" altLang="ja-JP" dirty="0" smtClean="0"/>
+              </a:p>
+              <a:p>
+                <a:endParaRPr kumimoji="1" lang="en-US" altLang="ja-JP" dirty="0"/>
+              </a:p>
+              <a:p>
+                <a:endParaRPr lang="en-US" altLang="ja-JP" dirty="0" smtClean="0"/>
+              </a:p>
+              <a:p>
+                <a:r>
+                  <a:rPr kumimoji="1" lang="en-US" altLang="ja-JP" dirty="0"/>
+                  <a:t>	</a:t>
+                </a:r>
+                <a:r>
+                  <a:rPr kumimoji="1" lang="en-US" altLang="ja-JP" dirty="0" smtClean="0"/>
+                  <a:t>	</a:t>
+                </a:r>
+                <a:r>
+                  <a:rPr kumimoji="1" lang="ja-JP" altLang="en-US" dirty="0" smtClean="0"/>
+                  <a:t>単位ベクトル＝（</a:t>
+                </a:r>
+                <a14:m>
+                  <m:oMath xmlns:m="http://schemas.openxmlformats.org/officeDocument/2006/math">
+                    <m:r>
+                      <a:rPr kumimoji="1" lang="en-US" altLang="ja-JP" b="0" i="1" smtClean="0">
+                        <a:latin typeface="Cambria Math" panose="02040503050406030204" pitchFamily="18" charset="0"/>
+                      </a:rPr>
+                      <m:t>𝑥</m:t>
+                    </m:r>
+                  </m:oMath>
+                </a14:m>
+                <a:r>
+                  <a:rPr kumimoji="1" lang="en-US" altLang="ja-JP" dirty="0" smtClean="0"/>
+                  <a:t>/</a:t>
+                </a:r>
+                <a:r>
+                  <a:rPr kumimoji="1" lang="ja-JP" altLang="en-US" dirty="0" smtClean="0"/>
+                  <a:t>ベクトルの大きさ</a:t>
+                </a:r>
+                <a:r>
+                  <a:rPr lang="en-US" altLang="ja-JP" dirty="0" smtClean="0"/>
+                  <a:t>,</a:t>
+                </a:r>
+                <a14:m>
+                  <m:oMath xmlns:m="http://schemas.openxmlformats.org/officeDocument/2006/math">
+                    <m:r>
+                      <a:rPr lang="en-US" altLang="ja-JP" b="0" i="1" smtClean="0">
+                        <a:latin typeface="Cambria Math" panose="02040503050406030204" pitchFamily="18" charset="0"/>
+                      </a:rPr>
+                      <m:t>𝑦</m:t>
+                    </m:r>
+                  </m:oMath>
+                </a14:m>
+                <a:r>
+                  <a:rPr kumimoji="1" lang="en-US" altLang="ja-JP" dirty="0" smtClean="0"/>
+                  <a:t>/</a:t>
+                </a:r>
+                <a:r>
+                  <a:rPr kumimoji="1" lang="ja-JP" altLang="en-US" dirty="0" smtClean="0"/>
+                  <a:t>ベクトルの大きさ）</a:t>
+                </a:r>
+                <a:endParaRPr kumimoji="1" lang="ja-JP" altLang="en-US" dirty="0"/>
+              </a:p>
+            </p:txBody>
+          </p:sp>
+        </mc:Choice>
+        <mc:Fallback>
+          <p:sp>
+            <p:nvSpPr>
+              <p:cNvPr id="3" name="テキスト ボックス 2"/>
+              <p:cNvSpPr txBox="1">
+                <a:spLocks noRot="1" noChangeAspect="1" noMove="1" noResize="1" noEditPoints="1" noAdjustHandles="1" noChangeArrowheads="1" noChangeShapeType="1" noTextEdit="1"/>
+              </p:cNvSpPr>
+              <p:nvPr/>
+            </p:nvSpPr>
+            <p:spPr>
+              <a:xfrm>
+                <a:off x="1162050" y="1828800"/>
+                <a:ext cx="8350106" cy="2862322"/>
+              </a:xfrm>
+              <a:prstGeom prst="rect">
+                <a:avLst/>
+              </a:prstGeom>
+              <a:blipFill>
+                <a:blip r:embed="rId2"/>
+                <a:stretch>
+                  <a:fillRect l="-657" t="-1064" b="-2553"/>
+                </a:stretch>
+              </a:blipFill>
+            </p:spPr>
+            <p:txBody>
+              <a:bodyPr/>
+              <a:lstStyle/>
+              <a:p>
+                <a:r>
+                  <a:rPr lang="ja-JP" altLang="en-US">
+                    <a:noFill/>
+                  </a:rPr>
+                  <a:t> </a:t>
+                </a:r>
+              </a:p>
+            </p:txBody>
+          </p:sp>
+        </mc:Fallback>
+      </mc:AlternateContent>
+    </p:spTree>
+    <p:extLst>
+      <p:ext uri="{BB962C8B-B14F-4D97-AF65-F5344CB8AC3E}">
+        <p14:creationId xmlns:p14="http://schemas.microsoft.com/office/powerpoint/2010/main" val="217364716"/>
       </p:ext>
     </p:extLst>
   </p:cSld>
